--- a/First foundation slide deck.pptx
+++ b/First foundation slide deck.pptx
@@ -10,16 +10,19 @@
   <p:sldIdLst>
     <p:sldId id="256" r:id="rId6"/>
     <p:sldId id="257" r:id="rId7"/>
+    <p:sldId id="258" r:id="rId8"/>
+    <p:sldId id="259" r:id="rId9"/>
+    <p:sldId id="260" r:id="rId10"/>
   </p:sldIdLst>
   <p:sldSz cy="5143500" cx="9144000"/>
   <p:notesSz cx="6858000" cy="9144000"/>
   <p:embeddedFontLst>
     <p:embeddedFont>
-      <p:font typeface="Roboto"/>
-      <p:regular r:id="rId8"/>
-      <p:bold r:id="rId9"/>
-      <p:italic r:id="rId10"/>
-      <p:boldItalic r:id="rId11"/>
+      <p:font typeface="Poppins"/>
+      <p:regular r:id="rId11"/>
+      <p:bold r:id="rId12"/>
+      <p:italic r:id="rId13"/>
+      <p:boldItalic r:id="rId14"/>
     </p:embeddedFont>
   </p:embeddedFontLst>
   <p:defaultTextStyle>
@@ -701,7 +704,7 @@
   <p:cSld>
     <p:spTree>
       <p:nvGrpSpPr>
-        <p:cNvPr id="63" name="Shape 63"/>
+        <p:cNvPr id="50" name="Shape 50"/>
         <p:cNvGrpSpPr/>
         <p:nvPr/>
       </p:nvGrpSpPr>
@@ -715,7 +718,7 @@
       </p:grpSpPr>
       <p:sp>
         <p:nvSpPr>
-          <p:cNvPr id="64" name="Google Shape;64;p:notes"/>
+          <p:cNvPr id="51" name="Google Shape;51;p:notes"/>
           <p:cNvSpPr/>
           <p:nvPr>
             <p:ph idx="2" type="sldImg"/>
@@ -750,7 +753,7 @@
       </p:sp>
       <p:sp>
         <p:nvSpPr>
-          <p:cNvPr id="65" name="Google Shape;65;p:notes"/>
+          <p:cNvPr id="52" name="Google Shape;52;p:notes"/>
           <p:cNvSpPr txBox="1"/>
           <p:nvPr>
             <p:ph idx="1" type="body"/>
@@ -800,7 +803,7 @@
   <p:cSld>
     <p:spTree>
       <p:nvGrpSpPr>
-        <p:cNvPr id="69" name="Shape 69"/>
+        <p:cNvPr id="56" name="Shape 56"/>
         <p:cNvGrpSpPr/>
         <p:nvPr/>
       </p:nvGrpSpPr>
@@ -814,7 +817,7 @@
       </p:grpSpPr>
       <p:sp>
         <p:nvSpPr>
-          <p:cNvPr id="70" name="Google Shape;70;g228a8605b94_0_0:notes"/>
+          <p:cNvPr id="57" name="Google Shape;57;g228a8605b94_0_64:notes"/>
           <p:cNvSpPr/>
           <p:nvPr>
             <p:ph idx="2" type="sldImg"/>
@@ -849,7 +852,304 @@
       </p:sp>
       <p:sp>
         <p:nvSpPr>
-          <p:cNvPr id="71" name="Google Shape;71;g228a8605b94_0_0:notes"/>
+          <p:cNvPr id="58" name="Google Shape;58;g228a8605b94_0_64:notes"/>
+          <p:cNvSpPr txBox="1"/>
+          <p:nvPr>
+            <p:ph idx="1" type="body"/>
+          </p:nvPr>
+        </p:nvSpPr>
+        <p:spPr>
+          <a:xfrm>
+            <a:off x="685800" y="4343400"/>
+            <a:ext cx="5486400" cy="4114800"/>
+          </a:xfrm>
+          <a:prstGeom prst="rect">
+            <a:avLst/>
+          </a:prstGeom>
+        </p:spPr>
+        <p:txBody>
+          <a:bodyPr anchorCtr="0" anchor="t" bIns="91425" lIns="91425" spcFirstLastPara="1" rIns="91425" wrap="square" tIns="91425">
+            <a:noAutofit/>
+          </a:bodyPr>
+          <a:lstStyle/>
+          <a:p>
+            <a:pPr indent="0" lvl="0" marL="0" rtl="0" algn="l">
+              <a:spcBef>
+                <a:spcPts val="0"/>
+              </a:spcBef>
+              <a:spcAft>
+                <a:spcPts val="0"/>
+              </a:spcAft>
+              <a:buNone/>
+            </a:pPr>
+            <a:r>
+              <a:t/>
+            </a:r>
+            <a:endParaRPr/>
+          </a:p>
+        </p:txBody>
+      </p:sp>
+    </p:spTree>
+  </p:cSld>
+  <p:clrMapOvr>
+    <a:masterClrMapping/>
+  </p:clrMapOvr>
+</p:notes>
+</file>
+
+<file path=ppt/notesSlides/notesSlide3.xml><?xml version="1.0" encoding="utf-8"?>
+<p:notes xmlns:a="http://schemas.openxmlformats.org/drawingml/2006/main" xmlns:r="http://schemas.openxmlformats.org/officeDocument/2006/relationships" xmlns:mc="http://schemas.openxmlformats.org/markup-compatibility/2006" xmlns:mv="urn:schemas-microsoft-com:mac:vml" xmlns:p="http://schemas.openxmlformats.org/presentationml/2006/main" xmlns:c="http://schemas.openxmlformats.org/drawingml/2006/chart" xmlns:dgm="http://schemas.openxmlformats.org/drawingml/2006/diagram" xmlns:o="urn:schemas-microsoft-com:office:office" xmlns:v="urn:schemas-microsoft-com:vml" xmlns:pvml="urn:schemas-microsoft-com:office:powerpoint" xmlns:com="http://schemas.openxmlformats.org/drawingml/2006/compatibility" xmlns:p14="http://schemas.microsoft.com/office/powerpoint/2010/main" xmlns:p15="http://schemas.microsoft.com/office/powerpoint/2012/main" xmlns:ahyp="http://schemas.microsoft.com/office/drawing/2018/hyperlinkcolor" showMasterPhAnim="0" showMasterSp="0">
+  <p:cSld>
+    <p:spTree>
+      <p:nvGrpSpPr>
+        <p:cNvPr id="61" name="Shape 61"/>
+        <p:cNvGrpSpPr/>
+        <p:nvPr/>
+      </p:nvGrpSpPr>
+      <p:grpSpPr>
+        <a:xfrm>
+          <a:off x="0" y="0"/>
+          <a:ext cx="0" cy="0"/>
+          <a:chOff x="0" y="0"/>
+          <a:chExt cx="0" cy="0"/>
+        </a:xfrm>
+      </p:grpSpPr>
+      <p:sp>
+        <p:nvSpPr>
+          <p:cNvPr id="62" name="Google Shape;62;g228a8605b94_0_0:notes"/>
+          <p:cNvSpPr/>
+          <p:nvPr>
+            <p:ph idx="2" type="sldImg"/>
+          </p:nvPr>
+        </p:nvSpPr>
+        <p:spPr>
+          <a:xfrm>
+            <a:off x="381300" y="685800"/>
+            <a:ext cx="6096000" cy="3429000"/>
+          </a:xfrm>
+          <a:custGeom>
+            <a:rect b="b" l="l" r="r" t="t"/>
+            <a:pathLst>
+              <a:path extrusionOk="0" h="120000" w="120000">
+                <a:moveTo>
+                  <a:pt x="0" y="0"/>
+                </a:moveTo>
+                <a:lnTo>
+                  <a:pt x="120000" y="0"/>
+                </a:lnTo>
+                <a:lnTo>
+                  <a:pt x="120000" y="120000"/>
+                </a:lnTo>
+                <a:lnTo>
+                  <a:pt x="0" y="120000"/>
+                </a:lnTo>
+                <a:close/>
+              </a:path>
+            </a:pathLst>
+          </a:custGeom>
+        </p:spPr>
+      </p:sp>
+      <p:sp>
+        <p:nvSpPr>
+          <p:cNvPr id="63" name="Google Shape;63;g228a8605b94_0_0:notes"/>
+          <p:cNvSpPr txBox="1"/>
+          <p:nvPr>
+            <p:ph idx="1" type="body"/>
+          </p:nvPr>
+        </p:nvSpPr>
+        <p:spPr>
+          <a:xfrm>
+            <a:off x="685800" y="4343400"/>
+            <a:ext cx="5486400" cy="4114800"/>
+          </a:xfrm>
+          <a:prstGeom prst="rect">
+            <a:avLst/>
+          </a:prstGeom>
+        </p:spPr>
+        <p:txBody>
+          <a:bodyPr anchorCtr="0" anchor="t" bIns="91425" lIns="91425" spcFirstLastPara="1" rIns="91425" wrap="square" tIns="91425">
+            <a:noAutofit/>
+          </a:bodyPr>
+          <a:lstStyle/>
+          <a:p>
+            <a:pPr indent="0" lvl="0" marL="0" rtl="0" algn="l">
+              <a:spcBef>
+                <a:spcPts val="0"/>
+              </a:spcBef>
+              <a:spcAft>
+                <a:spcPts val="0"/>
+              </a:spcAft>
+              <a:buNone/>
+            </a:pPr>
+            <a:r>
+              <a:t/>
+            </a:r>
+            <a:endParaRPr/>
+          </a:p>
+        </p:txBody>
+      </p:sp>
+    </p:spTree>
+  </p:cSld>
+  <p:clrMapOvr>
+    <a:masterClrMapping/>
+  </p:clrMapOvr>
+</p:notes>
+</file>
+
+<file path=ppt/notesSlides/notesSlide4.xml><?xml version="1.0" encoding="utf-8"?>
+<p:notes xmlns:a="http://schemas.openxmlformats.org/drawingml/2006/main" xmlns:r="http://schemas.openxmlformats.org/officeDocument/2006/relationships" xmlns:mc="http://schemas.openxmlformats.org/markup-compatibility/2006" xmlns:mv="urn:schemas-microsoft-com:mac:vml" xmlns:p="http://schemas.openxmlformats.org/presentationml/2006/main" xmlns:c="http://schemas.openxmlformats.org/drawingml/2006/chart" xmlns:dgm="http://schemas.openxmlformats.org/drawingml/2006/diagram" xmlns:o="urn:schemas-microsoft-com:office:office" xmlns:v="urn:schemas-microsoft-com:vml" xmlns:pvml="urn:schemas-microsoft-com:office:powerpoint" xmlns:com="http://schemas.openxmlformats.org/drawingml/2006/compatibility" xmlns:p14="http://schemas.microsoft.com/office/powerpoint/2010/main" xmlns:p15="http://schemas.microsoft.com/office/powerpoint/2012/main" xmlns:ahyp="http://schemas.microsoft.com/office/drawing/2018/hyperlinkcolor" showMasterPhAnim="0" showMasterSp="0">
+  <p:cSld>
+    <p:spTree>
+      <p:nvGrpSpPr>
+        <p:cNvPr id="66" name="Shape 66"/>
+        <p:cNvGrpSpPr/>
+        <p:nvPr/>
+      </p:nvGrpSpPr>
+      <p:grpSpPr>
+        <a:xfrm>
+          <a:off x="0" y="0"/>
+          <a:ext cx="0" cy="0"/>
+          <a:chOff x="0" y="0"/>
+          <a:chExt cx="0" cy="0"/>
+        </a:xfrm>
+      </p:grpSpPr>
+      <p:sp>
+        <p:nvSpPr>
+          <p:cNvPr id="67" name="Google Shape;67;g228a8605b94_0_70:notes"/>
+          <p:cNvSpPr/>
+          <p:nvPr>
+            <p:ph idx="2" type="sldImg"/>
+          </p:nvPr>
+        </p:nvSpPr>
+        <p:spPr>
+          <a:xfrm>
+            <a:off x="381300" y="685800"/>
+            <a:ext cx="6096000" cy="3429000"/>
+          </a:xfrm>
+          <a:custGeom>
+            <a:rect b="b" l="l" r="r" t="t"/>
+            <a:pathLst>
+              <a:path extrusionOk="0" h="120000" w="120000">
+                <a:moveTo>
+                  <a:pt x="0" y="0"/>
+                </a:moveTo>
+                <a:lnTo>
+                  <a:pt x="120000" y="0"/>
+                </a:lnTo>
+                <a:lnTo>
+                  <a:pt x="120000" y="120000"/>
+                </a:lnTo>
+                <a:lnTo>
+                  <a:pt x="0" y="120000"/>
+                </a:lnTo>
+                <a:close/>
+              </a:path>
+            </a:pathLst>
+          </a:custGeom>
+        </p:spPr>
+      </p:sp>
+      <p:sp>
+        <p:nvSpPr>
+          <p:cNvPr id="68" name="Google Shape;68;g228a8605b94_0_70:notes"/>
+          <p:cNvSpPr txBox="1"/>
+          <p:nvPr>
+            <p:ph idx="1" type="body"/>
+          </p:nvPr>
+        </p:nvSpPr>
+        <p:spPr>
+          <a:xfrm>
+            <a:off x="685800" y="4343400"/>
+            <a:ext cx="5486400" cy="4114800"/>
+          </a:xfrm>
+          <a:prstGeom prst="rect">
+            <a:avLst/>
+          </a:prstGeom>
+        </p:spPr>
+        <p:txBody>
+          <a:bodyPr anchorCtr="0" anchor="t" bIns="91425" lIns="91425" spcFirstLastPara="1" rIns="91425" wrap="square" tIns="91425">
+            <a:noAutofit/>
+          </a:bodyPr>
+          <a:lstStyle/>
+          <a:p>
+            <a:pPr indent="0" lvl="0" marL="0" rtl="0" algn="l">
+              <a:spcBef>
+                <a:spcPts val="0"/>
+              </a:spcBef>
+              <a:spcAft>
+                <a:spcPts val="0"/>
+              </a:spcAft>
+              <a:buNone/>
+            </a:pPr>
+            <a:r>
+              <a:t/>
+            </a:r>
+            <a:endParaRPr/>
+          </a:p>
+        </p:txBody>
+      </p:sp>
+    </p:spTree>
+  </p:cSld>
+  <p:clrMapOvr>
+    <a:masterClrMapping/>
+  </p:clrMapOvr>
+</p:notes>
+</file>
+
+<file path=ppt/notesSlides/notesSlide5.xml><?xml version="1.0" encoding="utf-8"?>
+<p:notes xmlns:a="http://schemas.openxmlformats.org/drawingml/2006/main" xmlns:r="http://schemas.openxmlformats.org/officeDocument/2006/relationships" xmlns:mc="http://schemas.openxmlformats.org/markup-compatibility/2006" xmlns:mv="urn:schemas-microsoft-com:mac:vml" xmlns:p="http://schemas.openxmlformats.org/presentationml/2006/main" xmlns:c="http://schemas.openxmlformats.org/drawingml/2006/chart" xmlns:dgm="http://schemas.openxmlformats.org/drawingml/2006/diagram" xmlns:o="urn:schemas-microsoft-com:office:office" xmlns:v="urn:schemas-microsoft-com:vml" xmlns:pvml="urn:schemas-microsoft-com:office:powerpoint" xmlns:com="http://schemas.openxmlformats.org/drawingml/2006/compatibility" xmlns:p14="http://schemas.microsoft.com/office/powerpoint/2010/main" xmlns:p15="http://schemas.microsoft.com/office/powerpoint/2012/main" xmlns:ahyp="http://schemas.microsoft.com/office/drawing/2018/hyperlinkcolor" showMasterPhAnim="0" showMasterSp="0">
+  <p:cSld>
+    <p:spTree>
+      <p:nvGrpSpPr>
+        <p:cNvPr id="72" name="Shape 72"/>
+        <p:cNvGrpSpPr/>
+        <p:nvPr/>
+      </p:nvGrpSpPr>
+      <p:grpSpPr>
+        <a:xfrm>
+          <a:off x="0" y="0"/>
+          <a:ext cx="0" cy="0"/>
+          <a:chOff x="0" y="0"/>
+          <a:chExt cx="0" cy="0"/>
+        </a:xfrm>
+      </p:grpSpPr>
+      <p:sp>
+        <p:nvSpPr>
+          <p:cNvPr id="73" name="Google Shape;73;g228a8605b94_0_121:notes"/>
+          <p:cNvSpPr/>
+          <p:nvPr>
+            <p:ph idx="2" type="sldImg"/>
+          </p:nvPr>
+        </p:nvSpPr>
+        <p:spPr>
+          <a:xfrm>
+            <a:off x="381300" y="685800"/>
+            <a:ext cx="6096000" cy="3429000"/>
+          </a:xfrm>
+          <a:custGeom>
+            <a:rect b="b" l="l" r="r" t="t"/>
+            <a:pathLst>
+              <a:path extrusionOk="0" h="120000" w="120000">
+                <a:moveTo>
+                  <a:pt x="0" y="0"/>
+                </a:moveTo>
+                <a:lnTo>
+                  <a:pt x="120000" y="0"/>
+                </a:lnTo>
+                <a:lnTo>
+                  <a:pt x="120000" y="120000"/>
+                </a:lnTo>
+                <a:lnTo>
+                  <a:pt x="0" y="120000"/>
+                </a:lnTo>
+                <a:close/>
+              </a:path>
+            </a:pathLst>
+          </a:custGeom>
+        </p:spPr>
+      </p:sp>
+      <p:sp>
+        <p:nvSpPr>
+          <p:cNvPr id="74" name="Google Shape;74;g228a8605b94_0_121:notes"/>
           <p:cNvSpPr txBox="1"/>
           <p:nvPr>
             <p:ph idx="1" type="body"/>
@@ -914,96 +1214,6 @@
       <p:sp>
         <p:nvSpPr>
           <p:cNvPr id="10" name="Google Shape;10;p2"/>
-          <p:cNvSpPr/>
-          <p:nvPr/>
-        </p:nvSpPr>
-        <p:spPr>
-          <a:xfrm flipH="1">
-            <a:off x="8246400" y="4245925"/>
-            <a:ext cx="897600" cy="897600"/>
-          </a:xfrm>
-          <a:prstGeom prst="rtTriangle">
-            <a:avLst/>
-          </a:prstGeom>
-          <a:solidFill>
-            <a:schemeClr val="lt1"/>
-          </a:solidFill>
-          <a:ln>
-            <a:noFill/>
-          </a:ln>
-        </p:spPr>
-        <p:txBody>
-          <a:bodyPr anchorCtr="0" anchor="ctr" bIns="91425" lIns="91425" spcFirstLastPara="1" rIns="91425" wrap="square" tIns="91425">
-            <a:noAutofit/>
-          </a:bodyPr>
-          <a:lstStyle/>
-          <a:p>
-            <a:pPr indent="0" lvl="0" marL="0" rtl="0" algn="l">
-              <a:spcBef>
-                <a:spcPts val="0"/>
-              </a:spcBef>
-              <a:spcAft>
-                <a:spcPts val="0"/>
-              </a:spcAft>
-              <a:buNone/>
-            </a:pPr>
-            <a:r>
-              <a:t/>
-            </a:r>
-            <a:endParaRPr/>
-          </a:p>
-        </p:txBody>
-      </p:sp>
-      <p:sp>
-        <p:nvSpPr>
-          <p:cNvPr id="11" name="Google Shape;11;p2"/>
-          <p:cNvSpPr/>
-          <p:nvPr/>
-        </p:nvSpPr>
-        <p:spPr>
-          <a:xfrm flipH="1">
-            <a:off x="8246400" y="4245875"/>
-            <a:ext cx="897600" cy="897600"/>
-          </a:xfrm>
-          <a:prstGeom prst="round1Rect">
-            <a:avLst>
-              <a:gd fmla="val 16667" name="adj"/>
-            </a:avLst>
-          </a:prstGeom>
-          <a:solidFill>
-            <a:schemeClr val="lt1">
-              <a:alpha val="68080"/>
-            </a:schemeClr>
-          </a:solidFill>
-          <a:ln>
-            <a:noFill/>
-          </a:ln>
-        </p:spPr>
-        <p:txBody>
-          <a:bodyPr anchorCtr="0" anchor="ctr" bIns="91425" lIns="91425" spcFirstLastPara="1" rIns="91425" wrap="square" tIns="91425">
-            <a:noAutofit/>
-          </a:bodyPr>
-          <a:lstStyle/>
-          <a:p>
-            <a:pPr indent="0" lvl="0" marL="0" rtl="0" algn="l">
-              <a:spcBef>
-                <a:spcPts val="0"/>
-              </a:spcBef>
-              <a:spcAft>
-                <a:spcPts val="0"/>
-              </a:spcAft>
-              <a:buNone/>
-            </a:pPr>
-            <a:r>
-              <a:t/>
-            </a:r>
-            <a:endParaRPr/>
-          </a:p>
-        </p:txBody>
-      </p:sp>
-      <p:sp>
-        <p:nvSpPr>
-          <p:cNvPr id="12" name="Google Shape;12;p2"/>
           <p:cNvSpPr txBox="1"/>
           <p:nvPr>
             <p:ph type="ctrTitle"/>
@@ -1011,8 +1221,8 @@
         </p:nvSpPr>
         <p:spPr>
           <a:xfrm>
-            <a:off x="390525" y="1819275"/>
-            <a:ext cx="8222100" cy="933600"/>
+            <a:off x="311708" y="744575"/>
+            <a:ext cx="8520600" cy="2052600"/>
           </a:xfrm>
           <a:prstGeom prst="rect">
             <a:avLst/>
@@ -1023,104 +1233,104 @@
             <a:normAutofit/>
           </a:bodyPr>
           <a:lstStyle>
-            <a:lvl1pPr lvl="0">
-              <a:spcBef>
-                <a:spcPts val="0"/>
-              </a:spcBef>
-              <a:spcAft>
-                <a:spcPts val="0"/>
-              </a:spcAft>
-              <a:buSzPts val="4800"/>
-              <a:buNone/>
-              <a:defRPr sz="4800"/>
+            <a:lvl1pPr lvl="0" algn="ctr">
+              <a:spcBef>
+                <a:spcPts val="0"/>
+              </a:spcBef>
+              <a:spcAft>
+                <a:spcPts val="0"/>
+              </a:spcAft>
+              <a:buSzPts val="5200"/>
+              <a:buNone/>
+              <a:defRPr sz="5200"/>
             </a:lvl1pPr>
-            <a:lvl2pPr lvl="1">
-              <a:spcBef>
-                <a:spcPts val="0"/>
-              </a:spcBef>
-              <a:spcAft>
-                <a:spcPts val="0"/>
-              </a:spcAft>
-              <a:buSzPts val="4800"/>
-              <a:buNone/>
-              <a:defRPr sz="4800"/>
+            <a:lvl2pPr lvl="1" algn="ctr">
+              <a:spcBef>
+                <a:spcPts val="0"/>
+              </a:spcBef>
+              <a:spcAft>
+                <a:spcPts val="0"/>
+              </a:spcAft>
+              <a:buSzPts val="5200"/>
+              <a:buNone/>
+              <a:defRPr sz="5200"/>
             </a:lvl2pPr>
-            <a:lvl3pPr lvl="2">
-              <a:spcBef>
-                <a:spcPts val="0"/>
-              </a:spcBef>
-              <a:spcAft>
-                <a:spcPts val="0"/>
-              </a:spcAft>
-              <a:buSzPts val="4800"/>
-              <a:buNone/>
-              <a:defRPr sz="4800"/>
+            <a:lvl3pPr lvl="2" algn="ctr">
+              <a:spcBef>
+                <a:spcPts val="0"/>
+              </a:spcBef>
+              <a:spcAft>
+                <a:spcPts val="0"/>
+              </a:spcAft>
+              <a:buSzPts val="5200"/>
+              <a:buNone/>
+              <a:defRPr sz="5200"/>
             </a:lvl3pPr>
-            <a:lvl4pPr lvl="3">
-              <a:spcBef>
-                <a:spcPts val="0"/>
-              </a:spcBef>
-              <a:spcAft>
-                <a:spcPts val="0"/>
-              </a:spcAft>
-              <a:buSzPts val="4800"/>
-              <a:buNone/>
-              <a:defRPr sz="4800"/>
+            <a:lvl4pPr lvl="3" algn="ctr">
+              <a:spcBef>
+                <a:spcPts val="0"/>
+              </a:spcBef>
+              <a:spcAft>
+                <a:spcPts val="0"/>
+              </a:spcAft>
+              <a:buSzPts val="5200"/>
+              <a:buNone/>
+              <a:defRPr sz="5200"/>
             </a:lvl4pPr>
-            <a:lvl5pPr lvl="4">
-              <a:spcBef>
-                <a:spcPts val="0"/>
-              </a:spcBef>
-              <a:spcAft>
-                <a:spcPts val="0"/>
-              </a:spcAft>
-              <a:buSzPts val="4800"/>
-              <a:buNone/>
-              <a:defRPr sz="4800"/>
+            <a:lvl5pPr lvl="4" algn="ctr">
+              <a:spcBef>
+                <a:spcPts val="0"/>
+              </a:spcBef>
+              <a:spcAft>
+                <a:spcPts val="0"/>
+              </a:spcAft>
+              <a:buSzPts val="5200"/>
+              <a:buNone/>
+              <a:defRPr sz="5200"/>
             </a:lvl5pPr>
-            <a:lvl6pPr lvl="5">
-              <a:spcBef>
-                <a:spcPts val="0"/>
-              </a:spcBef>
-              <a:spcAft>
-                <a:spcPts val="0"/>
-              </a:spcAft>
-              <a:buSzPts val="4800"/>
-              <a:buNone/>
-              <a:defRPr sz="4800"/>
+            <a:lvl6pPr lvl="5" algn="ctr">
+              <a:spcBef>
+                <a:spcPts val="0"/>
+              </a:spcBef>
+              <a:spcAft>
+                <a:spcPts val="0"/>
+              </a:spcAft>
+              <a:buSzPts val="5200"/>
+              <a:buNone/>
+              <a:defRPr sz="5200"/>
             </a:lvl6pPr>
-            <a:lvl7pPr lvl="6">
-              <a:spcBef>
-                <a:spcPts val="0"/>
-              </a:spcBef>
-              <a:spcAft>
-                <a:spcPts val="0"/>
-              </a:spcAft>
-              <a:buSzPts val="4800"/>
-              <a:buNone/>
-              <a:defRPr sz="4800"/>
+            <a:lvl7pPr lvl="6" algn="ctr">
+              <a:spcBef>
+                <a:spcPts val="0"/>
+              </a:spcBef>
+              <a:spcAft>
+                <a:spcPts val="0"/>
+              </a:spcAft>
+              <a:buSzPts val="5200"/>
+              <a:buNone/>
+              <a:defRPr sz="5200"/>
             </a:lvl7pPr>
-            <a:lvl8pPr lvl="7">
-              <a:spcBef>
-                <a:spcPts val="0"/>
-              </a:spcBef>
-              <a:spcAft>
-                <a:spcPts val="0"/>
-              </a:spcAft>
-              <a:buSzPts val="4800"/>
-              <a:buNone/>
-              <a:defRPr sz="4800"/>
+            <a:lvl8pPr lvl="7" algn="ctr">
+              <a:spcBef>
+                <a:spcPts val="0"/>
+              </a:spcBef>
+              <a:spcAft>
+                <a:spcPts val="0"/>
+              </a:spcAft>
+              <a:buSzPts val="5200"/>
+              <a:buNone/>
+              <a:defRPr sz="5200"/>
             </a:lvl8pPr>
-            <a:lvl9pPr lvl="8">
-              <a:spcBef>
-                <a:spcPts val="0"/>
-              </a:spcBef>
-              <a:spcAft>
-                <a:spcPts val="0"/>
-              </a:spcAft>
-              <a:buSzPts val="4800"/>
-              <a:buNone/>
-              <a:defRPr sz="4800"/>
+            <a:lvl9pPr lvl="8" algn="ctr">
+              <a:spcBef>
+                <a:spcPts val="0"/>
+              </a:spcBef>
+              <a:spcAft>
+                <a:spcPts val="0"/>
+              </a:spcAft>
+              <a:buSzPts val="5200"/>
+              <a:buNone/>
+              <a:defRPr sz="5200"/>
             </a:lvl9pPr>
           </a:lstStyle>
           <a:p/>
@@ -1128,7 +1338,7 @@
       </p:sp>
       <p:sp>
         <p:nvSpPr>
-          <p:cNvPr id="13" name="Google Shape;13;p2"/>
+          <p:cNvPr id="11" name="Google Shape;11;p2"/>
           <p:cNvSpPr txBox="1"/>
           <p:nvPr>
             <p:ph idx="1" type="subTitle"/>
@@ -1136,8 +1346,8 @@
         </p:nvSpPr>
         <p:spPr>
           <a:xfrm>
-            <a:off x="390525" y="2789130"/>
-            <a:ext cx="8222100" cy="432900"/>
+            <a:off x="311700" y="2834125"/>
+            <a:ext cx="8520600" cy="792600"/>
           </a:xfrm>
           <a:prstGeom prst="rect">
             <a:avLst/>
@@ -1148,7 +1358,7 @@
             <a:normAutofit/>
           </a:bodyPr>
           <a:lstStyle>
-            <a:lvl1pPr lvl="0">
+            <a:lvl1pPr lvl="0" algn="ctr">
               <a:lnSpc>
                 <a:spcPct val="100000"/>
               </a:lnSpc>
@@ -1158,18 +1368,11 @@
               <a:spcAft>
                 <a:spcPts val="0"/>
               </a:spcAft>
-              <a:buClr>
-                <a:schemeClr val="lt1"/>
-              </a:buClr>
-              <a:buSzPts val="1800"/>
-              <a:buNone/>
-              <a:defRPr>
-                <a:solidFill>
-                  <a:schemeClr val="lt1"/>
-                </a:solidFill>
-              </a:defRPr>
+              <a:buSzPts val="2800"/>
+              <a:buNone/>
+              <a:defRPr sz="2800"/>
             </a:lvl1pPr>
-            <a:lvl2pPr lvl="1">
+            <a:lvl2pPr lvl="1" algn="ctr">
               <a:lnSpc>
                 <a:spcPct val="100000"/>
               </a:lnSpc>
@@ -1179,18 +1382,11 @@
               <a:spcAft>
                 <a:spcPts val="0"/>
               </a:spcAft>
-              <a:buClr>
-                <a:schemeClr val="lt1"/>
-              </a:buClr>
-              <a:buSzPts val="1800"/>
-              <a:buNone/>
-              <a:defRPr sz="1800">
-                <a:solidFill>
-                  <a:schemeClr val="lt1"/>
-                </a:solidFill>
-              </a:defRPr>
+              <a:buSzPts val="2800"/>
+              <a:buNone/>
+              <a:defRPr sz="2800"/>
             </a:lvl2pPr>
-            <a:lvl3pPr lvl="2">
+            <a:lvl3pPr lvl="2" algn="ctr">
               <a:lnSpc>
                 <a:spcPct val="100000"/>
               </a:lnSpc>
@@ -1200,18 +1396,11 @@
               <a:spcAft>
                 <a:spcPts val="0"/>
               </a:spcAft>
-              <a:buClr>
-                <a:schemeClr val="lt1"/>
-              </a:buClr>
-              <a:buSzPts val="1800"/>
-              <a:buNone/>
-              <a:defRPr sz="1800">
-                <a:solidFill>
-                  <a:schemeClr val="lt1"/>
-                </a:solidFill>
-              </a:defRPr>
+              <a:buSzPts val="2800"/>
+              <a:buNone/>
+              <a:defRPr sz="2800"/>
             </a:lvl3pPr>
-            <a:lvl4pPr lvl="3">
+            <a:lvl4pPr lvl="3" algn="ctr">
               <a:lnSpc>
                 <a:spcPct val="100000"/>
               </a:lnSpc>
@@ -1221,18 +1410,11 @@
               <a:spcAft>
                 <a:spcPts val="0"/>
               </a:spcAft>
-              <a:buClr>
-                <a:schemeClr val="lt1"/>
-              </a:buClr>
-              <a:buSzPts val="1800"/>
-              <a:buNone/>
-              <a:defRPr sz="1800">
-                <a:solidFill>
-                  <a:schemeClr val="lt1"/>
-                </a:solidFill>
-              </a:defRPr>
+              <a:buSzPts val="2800"/>
+              <a:buNone/>
+              <a:defRPr sz="2800"/>
             </a:lvl4pPr>
-            <a:lvl5pPr lvl="4">
+            <a:lvl5pPr lvl="4" algn="ctr">
               <a:lnSpc>
                 <a:spcPct val="100000"/>
               </a:lnSpc>
@@ -1242,18 +1424,11 @@
               <a:spcAft>
                 <a:spcPts val="0"/>
               </a:spcAft>
-              <a:buClr>
-                <a:schemeClr val="lt1"/>
-              </a:buClr>
-              <a:buSzPts val="1800"/>
-              <a:buNone/>
-              <a:defRPr sz="1800">
-                <a:solidFill>
-                  <a:schemeClr val="lt1"/>
-                </a:solidFill>
-              </a:defRPr>
+              <a:buSzPts val="2800"/>
+              <a:buNone/>
+              <a:defRPr sz="2800"/>
             </a:lvl5pPr>
-            <a:lvl6pPr lvl="5">
+            <a:lvl6pPr lvl="5" algn="ctr">
               <a:lnSpc>
                 <a:spcPct val="100000"/>
               </a:lnSpc>
@@ -1263,18 +1438,11 @@
               <a:spcAft>
                 <a:spcPts val="0"/>
               </a:spcAft>
-              <a:buClr>
-                <a:schemeClr val="lt1"/>
-              </a:buClr>
-              <a:buSzPts val="1800"/>
-              <a:buNone/>
-              <a:defRPr sz="1800">
-                <a:solidFill>
-                  <a:schemeClr val="lt1"/>
-                </a:solidFill>
-              </a:defRPr>
+              <a:buSzPts val="2800"/>
+              <a:buNone/>
+              <a:defRPr sz="2800"/>
             </a:lvl6pPr>
-            <a:lvl7pPr lvl="6">
+            <a:lvl7pPr lvl="6" algn="ctr">
               <a:lnSpc>
                 <a:spcPct val="100000"/>
               </a:lnSpc>
@@ -1284,18 +1452,11 @@
               <a:spcAft>
                 <a:spcPts val="0"/>
               </a:spcAft>
-              <a:buClr>
-                <a:schemeClr val="lt1"/>
-              </a:buClr>
-              <a:buSzPts val="1800"/>
-              <a:buNone/>
-              <a:defRPr sz="1800">
-                <a:solidFill>
-                  <a:schemeClr val="lt1"/>
-                </a:solidFill>
-              </a:defRPr>
+              <a:buSzPts val="2800"/>
+              <a:buNone/>
+              <a:defRPr sz="2800"/>
             </a:lvl7pPr>
-            <a:lvl8pPr lvl="7">
+            <a:lvl8pPr lvl="7" algn="ctr">
               <a:lnSpc>
                 <a:spcPct val="100000"/>
               </a:lnSpc>
@@ -1305,18 +1466,11 @@
               <a:spcAft>
                 <a:spcPts val="0"/>
               </a:spcAft>
-              <a:buClr>
-                <a:schemeClr val="lt1"/>
-              </a:buClr>
-              <a:buSzPts val="1800"/>
-              <a:buNone/>
-              <a:defRPr sz="1800">
-                <a:solidFill>
-                  <a:schemeClr val="lt1"/>
-                </a:solidFill>
-              </a:defRPr>
+              <a:buSzPts val="2800"/>
+              <a:buNone/>
+              <a:defRPr sz="2800"/>
             </a:lvl8pPr>
-            <a:lvl9pPr lvl="8">
+            <a:lvl9pPr lvl="8" algn="ctr">
               <a:lnSpc>
                 <a:spcPct val="100000"/>
               </a:lnSpc>
@@ -1326,16 +1480,9 @@
               <a:spcAft>
                 <a:spcPts val="0"/>
               </a:spcAft>
-              <a:buClr>
-                <a:schemeClr val="lt1"/>
-              </a:buClr>
-              <a:buSzPts val="1800"/>
-              <a:buNone/>
-              <a:defRPr sz="1800">
-                <a:solidFill>
-                  <a:schemeClr val="lt1"/>
-                </a:solidFill>
-              </a:defRPr>
+              <a:buSzPts val="2800"/>
+              <a:buNone/>
+              <a:defRPr sz="2800"/>
             </a:lvl9pPr>
           </a:lstStyle>
           <a:p/>
@@ -1343,7 +1490,7 @@
       </p:sp>
       <p:sp>
         <p:nvSpPr>
-          <p:cNvPr id="14" name="Google Shape;14;p2"/>
+          <p:cNvPr id="12" name="Google Shape;12;p2"/>
           <p:cNvSpPr txBox="1"/>
           <p:nvPr>
             <p:ph idx="12" type="sldNum"/>
@@ -1351,7 +1498,7 @@
         </p:nvSpPr>
         <p:spPr>
           <a:xfrm>
-            <a:off x="8523541" y="4695623"/>
+            <a:off x="8472458" y="4663217"/>
             <a:ext cx="548700" cy="393600"/>
           </a:xfrm>
           <a:prstGeom prst="rect">
@@ -1429,16 +1576,9 @@
 <file path=ppt/slideLayouts/slideLayout10.xml><?xml version="1.0" encoding="utf-8"?>
 <p:sldLayout xmlns:a="http://schemas.openxmlformats.org/drawingml/2006/main" xmlns:r="http://schemas.openxmlformats.org/officeDocument/2006/relationships" xmlns:mc="http://schemas.openxmlformats.org/markup-compatibility/2006" xmlns:mv="urn:schemas-microsoft-com:mac:vml" xmlns:p="http://schemas.openxmlformats.org/presentationml/2006/main" xmlns:c="http://schemas.openxmlformats.org/drawingml/2006/chart" xmlns:dgm="http://schemas.openxmlformats.org/drawingml/2006/diagram" xmlns:o="urn:schemas-microsoft-com:office:office" xmlns:v="urn:schemas-microsoft-com:vml" xmlns:pvml="urn:schemas-microsoft-com:office:powerpoint" xmlns:com="http://schemas.openxmlformats.org/drawingml/2006/compatibility" xmlns:p14="http://schemas.microsoft.com/office/powerpoint/2010/main" xmlns:p15="http://schemas.microsoft.com/office/powerpoint/2012/main" xmlns:ahyp="http://schemas.microsoft.com/office/drawing/2018/hyperlinkcolor" matchingName="Big number">
   <p:cSld name="BIG_NUMBER">
-    <p:bg>
-      <p:bgPr>
-        <a:solidFill>
-          <a:schemeClr val="accent4"/>
-        </a:solidFill>
-      </p:bgPr>
-    </p:bg>
     <p:spTree>
       <p:nvGrpSpPr>
-        <p:cNvPr id="57" name="Shape 57"/>
+        <p:cNvPr id="44" name="Shape 44"/>
         <p:cNvGrpSpPr/>
         <p:nvPr/>
       </p:nvGrpSpPr>
@@ -1452,7 +1592,7 @@
       </p:grpSpPr>
       <p:sp>
         <p:nvSpPr>
-          <p:cNvPr id="58" name="Google Shape;58;p11"/>
+          <p:cNvPr id="45" name="Google Shape;45;p11"/>
           <p:cNvSpPr txBox="1"/>
           <p:nvPr>
             <p:ph hasCustomPrompt="1" type="title"/>
@@ -1460,8 +1600,8 @@
         </p:nvSpPr>
         <p:spPr>
           <a:xfrm>
-            <a:off x="475500" y="1258525"/>
-            <a:ext cx="8222100" cy="1963500"/>
+            <a:off x="311700" y="1106125"/>
+            <a:ext cx="8520600" cy="1963500"/>
           </a:xfrm>
           <a:prstGeom prst="rect">
             <a:avLst/>
@@ -1479,16 +1619,9 @@
               <a:spcAft>
                 <a:spcPts val="0"/>
               </a:spcAft>
-              <a:buClr>
-                <a:schemeClr val="dk2"/>
-              </a:buClr>
               <a:buSzPts val="12000"/>
               <a:buNone/>
-              <a:defRPr sz="12000">
-                <a:solidFill>
-                  <a:schemeClr val="dk2"/>
-                </a:solidFill>
-              </a:defRPr>
+              <a:defRPr sz="12000"/>
             </a:lvl1pPr>
             <a:lvl2pPr lvl="1" algn="ctr">
               <a:spcBef>
@@ -1497,16 +1630,9 @@
               <a:spcAft>
                 <a:spcPts val="0"/>
               </a:spcAft>
-              <a:buClr>
-                <a:schemeClr val="dk2"/>
-              </a:buClr>
               <a:buSzPts val="12000"/>
               <a:buNone/>
-              <a:defRPr sz="12000">
-                <a:solidFill>
-                  <a:schemeClr val="dk2"/>
-                </a:solidFill>
-              </a:defRPr>
+              <a:defRPr sz="12000"/>
             </a:lvl2pPr>
             <a:lvl3pPr lvl="2" algn="ctr">
               <a:spcBef>
@@ -1515,16 +1641,9 @@
               <a:spcAft>
                 <a:spcPts val="0"/>
               </a:spcAft>
-              <a:buClr>
-                <a:schemeClr val="dk2"/>
-              </a:buClr>
               <a:buSzPts val="12000"/>
               <a:buNone/>
-              <a:defRPr sz="12000">
-                <a:solidFill>
-                  <a:schemeClr val="dk2"/>
-                </a:solidFill>
-              </a:defRPr>
+              <a:defRPr sz="12000"/>
             </a:lvl3pPr>
             <a:lvl4pPr lvl="3" algn="ctr">
               <a:spcBef>
@@ -1533,16 +1652,9 @@
               <a:spcAft>
                 <a:spcPts val="0"/>
               </a:spcAft>
-              <a:buClr>
-                <a:schemeClr val="dk2"/>
-              </a:buClr>
               <a:buSzPts val="12000"/>
               <a:buNone/>
-              <a:defRPr sz="12000">
-                <a:solidFill>
-                  <a:schemeClr val="dk2"/>
-                </a:solidFill>
-              </a:defRPr>
+              <a:defRPr sz="12000"/>
             </a:lvl4pPr>
             <a:lvl5pPr lvl="4" algn="ctr">
               <a:spcBef>
@@ -1551,16 +1663,9 @@
               <a:spcAft>
                 <a:spcPts val="0"/>
               </a:spcAft>
-              <a:buClr>
-                <a:schemeClr val="dk2"/>
-              </a:buClr>
               <a:buSzPts val="12000"/>
               <a:buNone/>
-              <a:defRPr sz="12000">
-                <a:solidFill>
-                  <a:schemeClr val="dk2"/>
-                </a:solidFill>
-              </a:defRPr>
+              <a:defRPr sz="12000"/>
             </a:lvl5pPr>
             <a:lvl6pPr lvl="5" algn="ctr">
               <a:spcBef>
@@ -1569,16 +1674,9 @@
               <a:spcAft>
                 <a:spcPts val="0"/>
               </a:spcAft>
-              <a:buClr>
-                <a:schemeClr val="dk2"/>
-              </a:buClr>
               <a:buSzPts val="12000"/>
               <a:buNone/>
-              <a:defRPr sz="12000">
-                <a:solidFill>
-                  <a:schemeClr val="dk2"/>
-                </a:solidFill>
-              </a:defRPr>
+              <a:defRPr sz="12000"/>
             </a:lvl6pPr>
             <a:lvl7pPr lvl="6" algn="ctr">
               <a:spcBef>
@@ -1587,16 +1685,9 @@
               <a:spcAft>
                 <a:spcPts val="0"/>
               </a:spcAft>
-              <a:buClr>
-                <a:schemeClr val="dk2"/>
-              </a:buClr>
               <a:buSzPts val="12000"/>
               <a:buNone/>
-              <a:defRPr sz="12000">
-                <a:solidFill>
-                  <a:schemeClr val="dk2"/>
-                </a:solidFill>
-              </a:defRPr>
+              <a:defRPr sz="12000"/>
             </a:lvl7pPr>
             <a:lvl8pPr lvl="7" algn="ctr">
               <a:spcBef>
@@ -1605,16 +1696,9 @@
               <a:spcAft>
                 <a:spcPts val="0"/>
               </a:spcAft>
-              <a:buClr>
-                <a:schemeClr val="dk2"/>
-              </a:buClr>
               <a:buSzPts val="12000"/>
               <a:buNone/>
-              <a:defRPr sz="12000">
-                <a:solidFill>
-                  <a:schemeClr val="dk2"/>
-                </a:solidFill>
-              </a:defRPr>
+              <a:defRPr sz="12000"/>
             </a:lvl8pPr>
             <a:lvl9pPr lvl="8" algn="ctr">
               <a:spcBef>
@@ -1623,16 +1707,9 @@
               <a:spcAft>
                 <a:spcPts val="0"/>
               </a:spcAft>
-              <a:buClr>
-                <a:schemeClr val="dk2"/>
-              </a:buClr>
               <a:buSzPts val="12000"/>
               <a:buNone/>
-              <a:defRPr sz="12000">
-                <a:solidFill>
-                  <a:schemeClr val="dk2"/>
-                </a:solidFill>
-              </a:defRPr>
+              <a:defRPr sz="12000"/>
             </a:lvl9pPr>
           </a:lstStyle>
           <a:p>
@@ -1644,7 +1721,7 @@
       </p:sp>
       <p:sp>
         <p:nvSpPr>
-          <p:cNvPr id="59" name="Google Shape;59;p11"/>
+          <p:cNvPr id="46" name="Google Shape;46;p11"/>
           <p:cNvSpPr txBox="1"/>
           <p:nvPr>
             <p:ph idx="1" type="body"/>
@@ -1652,8 +1729,8 @@
         </p:nvSpPr>
         <p:spPr>
           <a:xfrm>
-            <a:off x="475500" y="3304625"/>
-            <a:ext cx="8222100" cy="1300800"/>
+            <a:off x="311700" y="3152225"/>
+            <a:ext cx="8520600" cy="1300800"/>
           </a:xfrm>
           <a:prstGeom prst="rect">
             <a:avLst/>
@@ -1769,7 +1846,7 @@
       </p:sp>
       <p:sp>
         <p:nvSpPr>
-          <p:cNvPr id="60" name="Google Shape;60;p11"/>
+          <p:cNvPr id="47" name="Google Shape;47;p11"/>
           <p:cNvSpPr txBox="1"/>
           <p:nvPr>
             <p:ph idx="12" type="sldNum"/>
@@ -1777,7 +1854,7 @@
         </p:nvSpPr>
         <p:spPr>
           <a:xfrm>
-            <a:off x="8523541" y="4695623"/>
+            <a:off x="8472458" y="4663217"/>
             <a:ext cx="548700" cy="393600"/>
           </a:xfrm>
           <a:prstGeom prst="rect">
@@ -1855,16 +1932,9 @@
 <file path=ppt/slideLayouts/slideLayout11.xml><?xml version="1.0" encoding="utf-8"?>
 <p:sldLayout xmlns:a="http://schemas.openxmlformats.org/drawingml/2006/main" xmlns:r="http://schemas.openxmlformats.org/officeDocument/2006/relationships" xmlns:mc="http://schemas.openxmlformats.org/markup-compatibility/2006" xmlns:mv="urn:schemas-microsoft-com:mac:vml" xmlns:p="http://schemas.openxmlformats.org/presentationml/2006/main" xmlns:c="http://schemas.openxmlformats.org/drawingml/2006/chart" xmlns:dgm="http://schemas.openxmlformats.org/drawingml/2006/diagram" xmlns:o="urn:schemas-microsoft-com:office:office" xmlns:v="urn:schemas-microsoft-com:vml" xmlns:pvml="urn:schemas-microsoft-com:office:powerpoint" xmlns:com="http://schemas.openxmlformats.org/drawingml/2006/compatibility" xmlns:p14="http://schemas.microsoft.com/office/powerpoint/2010/main" xmlns:p15="http://schemas.microsoft.com/office/powerpoint/2012/main" xmlns:ahyp="http://schemas.microsoft.com/office/drawing/2018/hyperlinkcolor" matchingName="Blank" type="blank">
   <p:cSld name="BLANK">
-    <p:bg>
-      <p:bgPr>
-        <a:solidFill>
-          <a:schemeClr val="accent4"/>
-        </a:solidFill>
-      </p:bgPr>
-    </p:bg>
     <p:spTree>
       <p:nvGrpSpPr>
-        <p:cNvPr id="61" name="Shape 61"/>
+        <p:cNvPr id="48" name="Shape 48"/>
         <p:cNvGrpSpPr/>
         <p:nvPr/>
       </p:nvGrpSpPr>
@@ -1878,7 +1948,7 @@
       </p:grpSpPr>
       <p:sp>
         <p:nvSpPr>
-          <p:cNvPr id="62" name="Google Shape;62;p12"/>
+          <p:cNvPr id="49" name="Google Shape;49;p12"/>
           <p:cNvSpPr txBox="1"/>
           <p:nvPr>
             <p:ph idx="12" type="sldNum"/>
@@ -1886,7 +1956,7 @@
         </p:nvSpPr>
         <p:spPr>
           <a:xfrm>
-            <a:off x="8523541" y="4695623"/>
+            <a:off x="8472458" y="4663217"/>
             <a:ext cx="548700" cy="393600"/>
           </a:xfrm>
           <a:prstGeom prst="rect">
@@ -1966,7 +2036,7 @@
   <p:cSld name="SECTION_HEADER">
     <p:spTree>
       <p:nvGrpSpPr>
-        <p:cNvPr id="15" name="Shape 15"/>
+        <p:cNvPr id="13" name="Shape 13"/>
         <p:cNvGrpSpPr/>
         <p:nvPr/>
       </p:nvGrpSpPr>
@@ -1980,7 +2050,7 @@
       </p:grpSpPr>
       <p:sp>
         <p:nvSpPr>
-          <p:cNvPr id="16" name="Google Shape;16;p3"/>
+          <p:cNvPr id="14" name="Google Shape;14;p3"/>
           <p:cNvSpPr txBox="1"/>
           <p:nvPr>
             <p:ph type="title"/>
@@ -1988,8 +2058,8 @@
         </p:nvSpPr>
         <p:spPr>
           <a:xfrm>
-            <a:off x="460950" y="2065350"/>
-            <a:ext cx="8222100" cy="1012800"/>
+            <a:off x="311700" y="2150850"/>
+            <a:ext cx="8520600" cy="841800"/>
           </a:xfrm>
           <a:prstGeom prst="rect">
             <a:avLst/>
@@ -2000,104 +2070,104 @@
             <a:normAutofit/>
           </a:bodyPr>
           <a:lstStyle>
-            <a:lvl1pPr lvl="0">
-              <a:spcBef>
-                <a:spcPts val="0"/>
-              </a:spcBef>
-              <a:spcAft>
-                <a:spcPts val="0"/>
-              </a:spcAft>
-              <a:buSzPts val="4200"/>
-              <a:buNone/>
-              <a:defRPr sz="4200"/>
+            <a:lvl1pPr lvl="0" algn="ctr">
+              <a:spcBef>
+                <a:spcPts val="0"/>
+              </a:spcBef>
+              <a:spcAft>
+                <a:spcPts val="0"/>
+              </a:spcAft>
+              <a:buSzPts val="3600"/>
+              <a:buNone/>
+              <a:defRPr sz="3600"/>
             </a:lvl1pPr>
-            <a:lvl2pPr lvl="1">
-              <a:spcBef>
-                <a:spcPts val="0"/>
-              </a:spcBef>
-              <a:spcAft>
-                <a:spcPts val="0"/>
-              </a:spcAft>
-              <a:buSzPts val="4200"/>
-              <a:buNone/>
-              <a:defRPr sz="4200"/>
+            <a:lvl2pPr lvl="1" algn="ctr">
+              <a:spcBef>
+                <a:spcPts val="0"/>
+              </a:spcBef>
+              <a:spcAft>
+                <a:spcPts val="0"/>
+              </a:spcAft>
+              <a:buSzPts val="3600"/>
+              <a:buNone/>
+              <a:defRPr sz="3600"/>
             </a:lvl2pPr>
-            <a:lvl3pPr lvl="2">
-              <a:spcBef>
-                <a:spcPts val="0"/>
-              </a:spcBef>
-              <a:spcAft>
-                <a:spcPts val="0"/>
-              </a:spcAft>
-              <a:buSzPts val="4200"/>
-              <a:buNone/>
-              <a:defRPr sz="4200"/>
+            <a:lvl3pPr lvl="2" algn="ctr">
+              <a:spcBef>
+                <a:spcPts val="0"/>
+              </a:spcBef>
+              <a:spcAft>
+                <a:spcPts val="0"/>
+              </a:spcAft>
+              <a:buSzPts val="3600"/>
+              <a:buNone/>
+              <a:defRPr sz="3600"/>
             </a:lvl3pPr>
-            <a:lvl4pPr lvl="3">
-              <a:spcBef>
-                <a:spcPts val="0"/>
-              </a:spcBef>
-              <a:spcAft>
-                <a:spcPts val="0"/>
-              </a:spcAft>
-              <a:buSzPts val="4200"/>
-              <a:buNone/>
-              <a:defRPr sz="4200"/>
+            <a:lvl4pPr lvl="3" algn="ctr">
+              <a:spcBef>
+                <a:spcPts val="0"/>
+              </a:spcBef>
+              <a:spcAft>
+                <a:spcPts val="0"/>
+              </a:spcAft>
+              <a:buSzPts val="3600"/>
+              <a:buNone/>
+              <a:defRPr sz="3600"/>
             </a:lvl4pPr>
-            <a:lvl5pPr lvl="4">
-              <a:spcBef>
-                <a:spcPts val="0"/>
-              </a:spcBef>
-              <a:spcAft>
-                <a:spcPts val="0"/>
-              </a:spcAft>
-              <a:buSzPts val="4200"/>
-              <a:buNone/>
-              <a:defRPr sz="4200"/>
+            <a:lvl5pPr lvl="4" algn="ctr">
+              <a:spcBef>
+                <a:spcPts val="0"/>
+              </a:spcBef>
+              <a:spcAft>
+                <a:spcPts val="0"/>
+              </a:spcAft>
+              <a:buSzPts val="3600"/>
+              <a:buNone/>
+              <a:defRPr sz="3600"/>
             </a:lvl5pPr>
-            <a:lvl6pPr lvl="5">
-              <a:spcBef>
-                <a:spcPts val="0"/>
-              </a:spcBef>
-              <a:spcAft>
-                <a:spcPts val="0"/>
-              </a:spcAft>
-              <a:buSzPts val="4200"/>
-              <a:buNone/>
-              <a:defRPr sz="4200"/>
+            <a:lvl6pPr lvl="5" algn="ctr">
+              <a:spcBef>
+                <a:spcPts val="0"/>
+              </a:spcBef>
+              <a:spcAft>
+                <a:spcPts val="0"/>
+              </a:spcAft>
+              <a:buSzPts val="3600"/>
+              <a:buNone/>
+              <a:defRPr sz="3600"/>
             </a:lvl6pPr>
-            <a:lvl7pPr lvl="6">
-              <a:spcBef>
-                <a:spcPts val="0"/>
-              </a:spcBef>
-              <a:spcAft>
-                <a:spcPts val="0"/>
-              </a:spcAft>
-              <a:buSzPts val="4200"/>
-              <a:buNone/>
-              <a:defRPr sz="4200"/>
+            <a:lvl7pPr lvl="6" algn="ctr">
+              <a:spcBef>
+                <a:spcPts val="0"/>
+              </a:spcBef>
+              <a:spcAft>
+                <a:spcPts val="0"/>
+              </a:spcAft>
+              <a:buSzPts val="3600"/>
+              <a:buNone/>
+              <a:defRPr sz="3600"/>
             </a:lvl7pPr>
-            <a:lvl8pPr lvl="7">
-              <a:spcBef>
-                <a:spcPts val="0"/>
-              </a:spcBef>
-              <a:spcAft>
-                <a:spcPts val="0"/>
-              </a:spcAft>
-              <a:buSzPts val="4200"/>
-              <a:buNone/>
-              <a:defRPr sz="4200"/>
+            <a:lvl8pPr lvl="7" algn="ctr">
+              <a:spcBef>
+                <a:spcPts val="0"/>
+              </a:spcBef>
+              <a:spcAft>
+                <a:spcPts val="0"/>
+              </a:spcAft>
+              <a:buSzPts val="3600"/>
+              <a:buNone/>
+              <a:defRPr sz="3600"/>
             </a:lvl8pPr>
-            <a:lvl9pPr lvl="8">
-              <a:spcBef>
-                <a:spcPts val="0"/>
-              </a:spcBef>
-              <a:spcAft>
-                <a:spcPts val="0"/>
-              </a:spcAft>
-              <a:buSzPts val="4200"/>
-              <a:buNone/>
-              <a:defRPr sz="4200"/>
+            <a:lvl9pPr lvl="8" algn="ctr">
+              <a:spcBef>
+                <a:spcPts val="0"/>
+              </a:spcBef>
+              <a:spcAft>
+                <a:spcPts val="0"/>
+              </a:spcAft>
+              <a:buSzPts val="3600"/>
+              <a:buNone/>
+              <a:defRPr sz="3600"/>
             </a:lvl9pPr>
           </a:lstStyle>
           <a:p/>
@@ -2105,7 +2175,7 @@
       </p:sp>
       <p:sp>
         <p:nvSpPr>
-          <p:cNvPr id="17" name="Google Shape;17;p3"/>
+          <p:cNvPr id="15" name="Google Shape;15;p3"/>
           <p:cNvSpPr txBox="1"/>
           <p:nvPr>
             <p:ph idx="12" type="sldNum"/>
@@ -2113,7 +2183,7 @@
         </p:nvSpPr>
         <p:spPr>
           <a:xfrm>
-            <a:off x="8523541" y="4695623"/>
+            <a:off x="8472458" y="4663217"/>
             <a:ext cx="548700" cy="393600"/>
           </a:xfrm>
           <a:prstGeom prst="rect">
@@ -2127,75 +2197,39 @@
           <a:lstStyle>
             <a:lvl1pPr lvl="0">
               <a:buNone/>
-              <a:defRPr>
-                <a:solidFill>
-                  <a:schemeClr val="lt1"/>
-                </a:solidFill>
-              </a:defRPr>
+              <a:defRPr/>
             </a:lvl1pPr>
             <a:lvl2pPr lvl="1">
               <a:buNone/>
-              <a:defRPr>
-                <a:solidFill>
-                  <a:schemeClr val="lt1"/>
-                </a:solidFill>
-              </a:defRPr>
+              <a:defRPr/>
             </a:lvl2pPr>
             <a:lvl3pPr lvl="2">
               <a:buNone/>
-              <a:defRPr>
-                <a:solidFill>
-                  <a:schemeClr val="lt1"/>
-                </a:solidFill>
-              </a:defRPr>
+              <a:defRPr/>
             </a:lvl3pPr>
             <a:lvl4pPr lvl="3">
               <a:buNone/>
-              <a:defRPr>
-                <a:solidFill>
-                  <a:schemeClr val="lt1"/>
-                </a:solidFill>
-              </a:defRPr>
+              <a:defRPr/>
             </a:lvl4pPr>
             <a:lvl5pPr lvl="4">
               <a:buNone/>
-              <a:defRPr>
-                <a:solidFill>
-                  <a:schemeClr val="lt1"/>
-                </a:solidFill>
-              </a:defRPr>
+              <a:defRPr/>
             </a:lvl5pPr>
             <a:lvl6pPr lvl="5">
               <a:buNone/>
-              <a:defRPr>
-                <a:solidFill>
-                  <a:schemeClr val="lt1"/>
-                </a:solidFill>
-              </a:defRPr>
+              <a:defRPr/>
             </a:lvl6pPr>
             <a:lvl7pPr lvl="6">
               <a:buNone/>
-              <a:defRPr>
-                <a:solidFill>
-                  <a:schemeClr val="lt1"/>
-                </a:solidFill>
-              </a:defRPr>
+              <a:defRPr/>
             </a:lvl7pPr>
             <a:lvl8pPr lvl="7">
               <a:buNone/>
-              <a:defRPr>
-                <a:solidFill>
-                  <a:schemeClr val="lt1"/>
-                </a:solidFill>
-              </a:defRPr>
+              <a:defRPr/>
             </a:lvl8pPr>
             <a:lvl9pPr lvl="8">
               <a:buNone/>
-              <a:defRPr>
-                <a:solidFill>
-                  <a:schemeClr val="lt1"/>
-                </a:solidFill>
-              </a:defRPr>
+              <a:defRPr/>
             </a:lvl9pPr>
           </a:lstStyle>
           <a:p>
@@ -2229,7 +2263,7 @@
   <p:cSld name="TITLE_AND_BODY">
     <p:spTree>
       <p:nvGrpSpPr>
-        <p:cNvPr id="18" name="Shape 18"/>
+        <p:cNvPr id="16" name="Shape 16"/>
         <p:cNvGrpSpPr/>
         <p:nvPr/>
       </p:nvGrpSpPr>
@@ -2243,107 +2277,7 @@
       </p:grpSpPr>
       <p:sp>
         <p:nvSpPr>
-          <p:cNvPr id="19" name="Google Shape;19;p4"/>
-          <p:cNvSpPr/>
-          <p:nvPr/>
-        </p:nvSpPr>
-        <p:spPr>
-          <a:xfrm flipH="1" rot="10800000">
-            <a:off x="0" y="1686000"/>
-            <a:ext cx="9144000" cy="3457500"/>
-          </a:xfrm>
-          <a:prstGeom prst="rect">
-            <a:avLst/>
-          </a:prstGeom>
-          <a:solidFill>
-            <a:schemeClr val="accent4"/>
-          </a:solidFill>
-          <a:ln>
-            <a:noFill/>
-          </a:ln>
-        </p:spPr>
-        <p:txBody>
-          <a:bodyPr anchorCtr="0" anchor="ctr" bIns="91425" lIns="91425" spcFirstLastPara="1" rIns="91425" wrap="square" tIns="91425">
-            <a:noAutofit/>
-          </a:bodyPr>
-          <a:lstStyle/>
-          <a:p>
-            <a:pPr indent="0" lvl="0" marL="0" rtl="0" algn="l">
-              <a:spcBef>
-                <a:spcPts val="0"/>
-              </a:spcBef>
-              <a:spcAft>
-                <a:spcPts val="0"/>
-              </a:spcAft>
-              <a:buNone/>
-            </a:pPr>
-            <a:r>
-              <a:t/>
-            </a:r>
-            <a:endParaRPr/>
-          </a:p>
-        </p:txBody>
-      </p:sp>
-      <p:sp>
-        <p:nvSpPr>
-          <p:cNvPr id="20" name="Google Shape;20;p4"/>
-          <p:cNvSpPr/>
-          <p:nvPr/>
-        </p:nvSpPr>
-        <p:spPr>
-          <a:xfrm>
-            <a:off x="0" y="1686000"/>
-            <a:ext cx="9144000" cy="108600"/>
-          </a:xfrm>
-          <a:prstGeom prst="rect">
-            <a:avLst/>
-          </a:prstGeom>
-          <a:gradFill>
-            <a:gsLst>
-              <a:gs pos="0">
-                <a:srgbClr val="F9F9F9"/>
-              </a:gs>
-              <a:gs pos="36000">
-                <a:srgbClr val="F9F9F9"/>
-              </a:gs>
-              <a:gs pos="80000">
-                <a:srgbClr val="DEDEDE"/>
-              </a:gs>
-              <a:gs pos="100000">
-                <a:srgbClr val="999999"/>
-              </a:gs>
-            </a:gsLst>
-            <a:lin ang="16200038" scaled="0"/>
-          </a:gradFill>
-          <a:ln>
-            <a:noFill/>
-          </a:ln>
-        </p:spPr>
-        <p:txBody>
-          <a:bodyPr anchorCtr="0" anchor="ctr" bIns="91425" lIns="91425" spcFirstLastPara="1" rIns="91425" wrap="square" tIns="91425">
-            <a:noAutofit/>
-          </a:bodyPr>
-          <a:lstStyle/>
-          <a:p>
-            <a:pPr indent="0" lvl="0" marL="0" rtl="0" algn="l">
-              <a:spcBef>
-                <a:spcPts val="0"/>
-              </a:spcBef>
-              <a:spcAft>
-                <a:spcPts val="0"/>
-              </a:spcAft>
-              <a:buNone/>
-            </a:pPr>
-            <a:r>
-              <a:t/>
-            </a:r>
-            <a:endParaRPr/>
-          </a:p>
-        </p:txBody>
-      </p:sp>
-      <p:sp>
-        <p:nvSpPr>
-          <p:cNvPr id="21" name="Google Shape;21;p4"/>
+          <p:cNvPr id="17" name="Google Shape;17;p4"/>
           <p:cNvSpPr txBox="1"/>
           <p:nvPr>
             <p:ph type="title"/>
@@ -2351,15 +2285,15 @@
         </p:nvSpPr>
         <p:spPr>
           <a:xfrm>
-            <a:off x="471900" y="738725"/>
-            <a:ext cx="8222100" cy="767700"/>
+            <a:off x="311700" y="445025"/>
+            <a:ext cx="8520600" cy="572700"/>
           </a:xfrm>
           <a:prstGeom prst="rect">
             <a:avLst/>
           </a:prstGeom>
         </p:spPr>
         <p:txBody>
-          <a:bodyPr anchorCtr="0" anchor="b" bIns="91425" lIns="91425" spcFirstLastPara="1" rIns="91425" wrap="square" tIns="91425">
+          <a:bodyPr anchorCtr="0" anchor="t" bIns="91425" lIns="91425" spcFirstLastPara="1" rIns="91425" wrap="square" tIns="91425">
             <a:normAutofit/>
           </a:bodyPr>
           <a:lstStyle>
@@ -2370,7 +2304,7 @@
               <a:spcAft>
                 <a:spcPts val="0"/>
               </a:spcAft>
-              <a:buSzPts val="3200"/>
+              <a:buSzPts val="2800"/>
               <a:buNone/>
               <a:defRPr/>
             </a:lvl1pPr>
@@ -2381,7 +2315,7 @@
               <a:spcAft>
                 <a:spcPts val="0"/>
               </a:spcAft>
-              <a:buSzPts val="3200"/>
+              <a:buSzPts val="2800"/>
               <a:buNone/>
               <a:defRPr/>
             </a:lvl2pPr>
@@ -2392,7 +2326,7 @@
               <a:spcAft>
                 <a:spcPts val="0"/>
               </a:spcAft>
-              <a:buSzPts val="3200"/>
+              <a:buSzPts val="2800"/>
               <a:buNone/>
               <a:defRPr/>
             </a:lvl3pPr>
@@ -2403,7 +2337,7 @@
               <a:spcAft>
                 <a:spcPts val="0"/>
               </a:spcAft>
-              <a:buSzPts val="3200"/>
+              <a:buSzPts val="2800"/>
               <a:buNone/>
               <a:defRPr/>
             </a:lvl4pPr>
@@ -2414,7 +2348,7 @@
               <a:spcAft>
                 <a:spcPts val="0"/>
               </a:spcAft>
-              <a:buSzPts val="3200"/>
+              <a:buSzPts val="2800"/>
               <a:buNone/>
               <a:defRPr/>
             </a:lvl5pPr>
@@ -2425,7 +2359,7 @@
               <a:spcAft>
                 <a:spcPts val="0"/>
               </a:spcAft>
-              <a:buSzPts val="3200"/>
+              <a:buSzPts val="2800"/>
               <a:buNone/>
               <a:defRPr/>
             </a:lvl6pPr>
@@ -2436,7 +2370,7 @@
               <a:spcAft>
                 <a:spcPts val="0"/>
               </a:spcAft>
-              <a:buSzPts val="3200"/>
+              <a:buSzPts val="2800"/>
               <a:buNone/>
               <a:defRPr/>
             </a:lvl7pPr>
@@ -2447,7 +2381,7 @@
               <a:spcAft>
                 <a:spcPts val="0"/>
               </a:spcAft>
-              <a:buSzPts val="3200"/>
+              <a:buSzPts val="2800"/>
               <a:buNone/>
               <a:defRPr/>
             </a:lvl8pPr>
@@ -2458,7 +2392,7 @@
               <a:spcAft>
                 <a:spcPts val="0"/>
               </a:spcAft>
-              <a:buSzPts val="3200"/>
+              <a:buSzPts val="2800"/>
               <a:buNone/>
               <a:defRPr/>
             </a:lvl9pPr>
@@ -2468,7 +2402,7 @@
       </p:sp>
       <p:sp>
         <p:nvSpPr>
-          <p:cNvPr id="22" name="Google Shape;22;p4"/>
+          <p:cNvPr id="18" name="Google Shape;18;p4"/>
           <p:cNvSpPr txBox="1"/>
           <p:nvPr>
             <p:ph idx="1" type="body"/>
@@ -2476,8 +2410,8 @@
         </p:nvSpPr>
         <p:spPr>
           <a:xfrm>
-            <a:off x="471900" y="1919075"/>
-            <a:ext cx="8222100" cy="2710200"/>
+            <a:off x="311700" y="1152475"/>
+            <a:ext cx="8520600" cy="3416400"/>
           </a:xfrm>
           <a:prstGeom prst="rect">
             <a:avLst/>
@@ -2593,7 +2527,7 @@
       </p:sp>
       <p:sp>
         <p:nvSpPr>
-          <p:cNvPr id="23" name="Google Shape;23;p4"/>
+          <p:cNvPr id="19" name="Google Shape;19;p4"/>
           <p:cNvSpPr txBox="1"/>
           <p:nvPr>
             <p:ph idx="12" type="sldNum"/>
@@ -2601,7 +2535,7 @@
         </p:nvSpPr>
         <p:spPr>
           <a:xfrm>
-            <a:off x="8523541" y="4695623"/>
+            <a:off x="8472458" y="4663217"/>
             <a:ext cx="548700" cy="393600"/>
           </a:xfrm>
           <a:prstGeom prst="rect">
@@ -2681,7 +2615,7 @@
   <p:cSld name="TITLE_AND_TWO_COLUMNS">
     <p:spTree>
       <p:nvGrpSpPr>
-        <p:cNvPr id="24" name="Shape 24"/>
+        <p:cNvPr id="20" name="Shape 20"/>
         <p:cNvGrpSpPr/>
         <p:nvPr/>
       </p:nvGrpSpPr>
@@ -2695,107 +2629,7 @@
       </p:grpSpPr>
       <p:sp>
         <p:nvSpPr>
-          <p:cNvPr id="25" name="Google Shape;25;p5"/>
-          <p:cNvSpPr/>
-          <p:nvPr/>
-        </p:nvSpPr>
-        <p:spPr>
-          <a:xfrm flipH="1" rot="10800000">
-            <a:off x="0" y="1686000"/>
-            <a:ext cx="9144000" cy="3457500"/>
-          </a:xfrm>
-          <a:prstGeom prst="rect">
-            <a:avLst/>
-          </a:prstGeom>
-          <a:solidFill>
-            <a:schemeClr val="accent4"/>
-          </a:solidFill>
-          <a:ln>
-            <a:noFill/>
-          </a:ln>
-        </p:spPr>
-        <p:txBody>
-          <a:bodyPr anchorCtr="0" anchor="ctr" bIns="91425" lIns="91425" spcFirstLastPara="1" rIns="91425" wrap="square" tIns="91425">
-            <a:noAutofit/>
-          </a:bodyPr>
-          <a:lstStyle/>
-          <a:p>
-            <a:pPr indent="0" lvl="0" marL="0" rtl="0" algn="l">
-              <a:spcBef>
-                <a:spcPts val="0"/>
-              </a:spcBef>
-              <a:spcAft>
-                <a:spcPts val="0"/>
-              </a:spcAft>
-              <a:buNone/>
-            </a:pPr>
-            <a:r>
-              <a:t/>
-            </a:r>
-            <a:endParaRPr/>
-          </a:p>
-        </p:txBody>
-      </p:sp>
-      <p:sp>
-        <p:nvSpPr>
-          <p:cNvPr id="26" name="Google Shape;26;p5"/>
-          <p:cNvSpPr/>
-          <p:nvPr/>
-        </p:nvSpPr>
-        <p:spPr>
-          <a:xfrm>
-            <a:off x="0" y="1686000"/>
-            <a:ext cx="9144000" cy="108600"/>
-          </a:xfrm>
-          <a:prstGeom prst="rect">
-            <a:avLst/>
-          </a:prstGeom>
-          <a:gradFill>
-            <a:gsLst>
-              <a:gs pos="0">
-                <a:srgbClr val="F9F9F9"/>
-              </a:gs>
-              <a:gs pos="36000">
-                <a:srgbClr val="F9F9F9"/>
-              </a:gs>
-              <a:gs pos="80000">
-                <a:srgbClr val="DEDEDE"/>
-              </a:gs>
-              <a:gs pos="100000">
-                <a:srgbClr val="999999"/>
-              </a:gs>
-            </a:gsLst>
-            <a:lin ang="16200038" scaled="0"/>
-          </a:gradFill>
-          <a:ln>
-            <a:noFill/>
-          </a:ln>
-        </p:spPr>
-        <p:txBody>
-          <a:bodyPr anchorCtr="0" anchor="ctr" bIns="91425" lIns="91425" spcFirstLastPara="1" rIns="91425" wrap="square" tIns="91425">
-            <a:noAutofit/>
-          </a:bodyPr>
-          <a:lstStyle/>
-          <a:p>
-            <a:pPr indent="0" lvl="0" marL="0" rtl="0" algn="l">
-              <a:spcBef>
-                <a:spcPts val="0"/>
-              </a:spcBef>
-              <a:spcAft>
-                <a:spcPts val="0"/>
-              </a:spcAft>
-              <a:buNone/>
-            </a:pPr>
-            <a:r>
-              <a:t/>
-            </a:r>
-            <a:endParaRPr/>
-          </a:p>
-        </p:txBody>
-      </p:sp>
-      <p:sp>
-        <p:nvSpPr>
-          <p:cNvPr id="27" name="Google Shape;27;p5"/>
+          <p:cNvPr id="21" name="Google Shape;21;p5"/>
           <p:cNvSpPr txBox="1"/>
           <p:nvPr>
             <p:ph type="title"/>
@@ -2803,15 +2637,15 @@
         </p:nvSpPr>
         <p:spPr>
           <a:xfrm>
-            <a:off x="471900" y="738725"/>
-            <a:ext cx="8222100" cy="767700"/>
+            <a:off x="311700" y="445025"/>
+            <a:ext cx="8520600" cy="572700"/>
           </a:xfrm>
           <a:prstGeom prst="rect">
             <a:avLst/>
           </a:prstGeom>
         </p:spPr>
         <p:txBody>
-          <a:bodyPr anchorCtr="0" anchor="b" bIns="91425" lIns="91425" spcFirstLastPara="1" rIns="91425" wrap="square" tIns="91425">
+          <a:bodyPr anchorCtr="0" anchor="t" bIns="91425" lIns="91425" spcFirstLastPara="1" rIns="91425" wrap="square" tIns="91425">
             <a:normAutofit/>
           </a:bodyPr>
           <a:lstStyle>
@@ -2822,7 +2656,7 @@
               <a:spcAft>
                 <a:spcPts val="0"/>
               </a:spcAft>
-              <a:buSzPts val="3200"/>
+              <a:buSzPts val="2800"/>
               <a:buNone/>
               <a:defRPr/>
             </a:lvl1pPr>
@@ -2833,7 +2667,7 @@
               <a:spcAft>
                 <a:spcPts val="0"/>
               </a:spcAft>
-              <a:buSzPts val="3200"/>
+              <a:buSzPts val="2800"/>
               <a:buNone/>
               <a:defRPr/>
             </a:lvl2pPr>
@@ -2844,7 +2678,7 @@
               <a:spcAft>
                 <a:spcPts val="0"/>
               </a:spcAft>
-              <a:buSzPts val="3200"/>
+              <a:buSzPts val="2800"/>
               <a:buNone/>
               <a:defRPr/>
             </a:lvl3pPr>
@@ -2855,7 +2689,7 @@
               <a:spcAft>
                 <a:spcPts val="0"/>
               </a:spcAft>
-              <a:buSzPts val="3200"/>
+              <a:buSzPts val="2800"/>
               <a:buNone/>
               <a:defRPr/>
             </a:lvl4pPr>
@@ -2866,7 +2700,7 @@
               <a:spcAft>
                 <a:spcPts val="0"/>
               </a:spcAft>
-              <a:buSzPts val="3200"/>
+              <a:buSzPts val="2800"/>
               <a:buNone/>
               <a:defRPr/>
             </a:lvl5pPr>
@@ -2877,7 +2711,7 @@
               <a:spcAft>
                 <a:spcPts val="0"/>
               </a:spcAft>
-              <a:buSzPts val="3200"/>
+              <a:buSzPts val="2800"/>
               <a:buNone/>
               <a:defRPr/>
             </a:lvl6pPr>
@@ -2888,7 +2722,7 @@
               <a:spcAft>
                 <a:spcPts val="0"/>
               </a:spcAft>
-              <a:buSzPts val="3200"/>
+              <a:buSzPts val="2800"/>
               <a:buNone/>
               <a:defRPr/>
             </a:lvl7pPr>
@@ -2899,7 +2733,7 @@
               <a:spcAft>
                 <a:spcPts val="0"/>
               </a:spcAft>
-              <a:buSzPts val="3200"/>
+              <a:buSzPts val="2800"/>
               <a:buNone/>
               <a:defRPr/>
             </a:lvl8pPr>
@@ -2910,7 +2744,7 @@
               <a:spcAft>
                 <a:spcPts val="0"/>
               </a:spcAft>
-              <a:buSzPts val="3200"/>
+              <a:buSzPts val="2800"/>
               <a:buNone/>
               <a:defRPr/>
             </a:lvl9pPr>
@@ -2920,7 +2754,7 @@
       </p:sp>
       <p:sp>
         <p:nvSpPr>
-          <p:cNvPr id="28" name="Google Shape;28;p5"/>
+          <p:cNvPr id="22" name="Google Shape;22;p5"/>
           <p:cNvSpPr txBox="1"/>
           <p:nvPr>
             <p:ph idx="1" type="body"/>
@@ -2928,8 +2762,8 @@
         </p:nvSpPr>
         <p:spPr>
           <a:xfrm>
-            <a:off x="471900" y="1919075"/>
-            <a:ext cx="3999900" cy="2710200"/>
+            <a:off x="311700" y="1152475"/>
+            <a:ext cx="3999900" cy="3416400"/>
           </a:xfrm>
           <a:prstGeom prst="rect">
             <a:avLst/>
@@ -3045,7 +2879,7 @@
       </p:sp>
       <p:sp>
         <p:nvSpPr>
-          <p:cNvPr id="29" name="Google Shape;29;p5"/>
+          <p:cNvPr id="23" name="Google Shape;23;p5"/>
           <p:cNvSpPr txBox="1"/>
           <p:nvPr>
             <p:ph idx="2" type="body"/>
@@ -3053,8 +2887,8 @@
         </p:nvSpPr>
         <p:spPr>
           <a:xfrm>
-            <a:off x="4694250" y="1919075"/>
-            <a:ext cx="3999900" cy="2710200"/>
+            <a:off x="4832400" y="1152475"/>
+            <a:ext cx="3999900" cy="3416400"/>
           </a:xfrm>
           <a:prstGeom prst="rect">
             <a:avLst/>
@@ -3170,7 +3004,7 @@
       </p:sp>
       <p:sp>
         <p:nvSpPr>
-          <p:cNvPr id="30" name="Google Shape;30;p5"/>
+          <p:cNvPr id="24" name="Google Shape;24;p5"/>
           <p:cNvSpPr txBox="1"/>
           <p:nvPr>
             <p:ph idx="12" type="sldNum"/>
@@ -3178,7 +3012,7 @@
         </p:nvSpPr>
         <p:spPr>
           <a:xfrm>
-            <a:off x="8523541" y="4695623"/>
+            <a:off x="8472458" y="4663217"/>
             <a:ext cx="548700" cy="393600"/>
           </a:xfrm>
           <a:prstGeom prst="rect">
@@ -3258,7 +3092,7 @@
   <p:cSld name="TITLE_ONLY">
     <p:spTree>
       <p:nvGrpSpPr>
-        <p:cNvPr id="31" name="Shape 31"/>
+        <p:cNvPr id="25" name="Shape 25"/>
         <p:cNvGrpSpPr/>
         <p:nvPr/>
       </p:nvGrpSpPr>
@@ -3272,107 +3106,7 @@
       </p:grpSpPr>
       <p:sp>
         <p:nvSpPr>
-          <p:cNvPr id="32" name="Google Shape;32;p6"/>
-          <p:cNvSpPr/>
-          <p:nvPr/>
-        </p:nvSpPr>
-        <p:spPr>
-          <a:xfrm flipH="1" rot="10800000">
-            <a:off x="0" y="656400"/>
-            <a:ext cx="9144000" cy="4487100"/>
-          </a:xfrm>
-          <a:prstGeom prst="rect">
-            <a:avLst/>
-          </a:prstGeom>
-          <a:solidFill>
-            <a:schemeClr val="accent4"/>
-          </a:solidFill>
-          <a:ln>
-            <a:noFill/>
-          </a:ln>
-        </p:spPr>
-        <p:txBody>
-          <a:bodyPr anchorCtr="0" anchor="ctr" bIns="91425" lIns="91425" spcFirstLastPara="1" rIns="91425" wrap="square" tIns="91425">
-            <a:noAutofit/>
-          </a:bodyPr>
-          <a:lstStyle/>
-          <a:p>
-            <a:pPr indent="0" lvl="0" marL="0" rtl="0" algn="l">
-              <a:spcBef>
-                <a:spcPts val="0"/>
-              </a:spcBef>
-              <a:spcAft>
-                <a:spcPts val="0"/>
-              </a:spcAft>
-              <a:buNone/>
-            </a:pPr>
-            <a:r>
-              <a:t/>
-            </a:r>
-            <a:endParaRPr/>
-          </a:p>
-        </p:txBody>
-      </p:sp>
-      <p:sp>
-        <p:nvSpPr>
-          <p:cNvPr id="33" name="Google Shape;33;p6"/>
-          <p:cNvSpPr/>
-          <p:nvPr/>
-        </p:nvSpPr>
-        <p:spPr>
-          <a:xfrm>
-            <a:off x="0" y="656350"/>
-            <a:ext cx="9144000" cy="108600"/>
-          </a:xfrm>
-          <a:prstGeom prst="rect">
-            <a:avLst/>
-          </a:prstGeom>
-          <a:gradFill>
-            <a:gsLst>
-              <a:gs pos="0">
-                <a:srgbClr val="F9F9F9"/>
-              </a:gs>
-              <a:gs pos="36000">
-                <a:srgbClr val="F9F9F9"/>
-              </a:gs>
-              <a:gs pos="80000">
-                <a:srgbClr val="DEDEDE"/>
-              </a:gs>
-              <a:gs pos="100000">
-                <a:srgbClr val="999999"/>
-              </a:gs>
-            </a:gsLst>
-            <a:lin ang="16200038" scaled="0"/>
-          </a:gradFill>
-          <a:ln>
-            <a:noFill/>
-          </a:ln>
-        </p:spPr>
-        <p:txBody>
-          <a:bodyPr anchorCtr="0" anchor="ctr" bIns="91425" lIns="91425" spcFirstLastPara="1" rIns="91425" wrap="square" tIns="91425">
-            <a:noAutofit/>
-          </a:bodyPr>
-          <a:lstStyle/>
-          <a:p>
-            <a:pPr indent="0" lvl="0" marL="0" rtl="0" algn="l">
-              <a:spcBef>
-                <a:spcPts val="0"/>
-              </a:spcBef>
-              <a:spcAft>
-                <a:spcPts val="0"/>
-              </a:spcAft>
-              <a:buNone/>
-            </a:pPr>
-            <a:r>
-              <a:t/>
-            </a:r>
-            <a:endParaRPr/>
-          </a:p>
-        </p:txBody>
-      </p:sp>
-      <p:sp>
-        <p:nvSpPr>
-          <p:cNvPr id="34" name="Google Shape;34;p6"/>
+          <p:cNvPr id="26" name="Google Shape;26;p6"/>
           <p:cNvSpPr txBox="1"/>
           <p:nvPr>
             <p:ph type="title"/>
@@ -3380,15 +3114,15 @@
         </p:nvSpPr>
         <p:spPr>
           <a:xfrm>
-            <a:off x="98250" y="16350"/>
-            <a:ext cx="8826600" cy="602700"/>
+            <a:off x="311700" y="445025"/>
+            <a:ext cx="8520600" cy="572700"/>
           </a:xfrm>
           <a:prstGeom prst="rect">
             <a:avLst/>
           </a:prstGeom>
         </p:spPr>
         <p:txBody>
-          <a:bodyPr anchorCtr="0" anchor="ctr" bIns="91425" lIns="91425" spcFirstLastPara="1" rIns="91425" wrap="square" tIns="91425">
+          <a:bodyPr anchorCtr="0" anchor="t" bIns="91425" lIns="91425" spcFirstLastPara="1" rIns="91425" wrap="square" tIns="91425">
             <a:normAutofit/>
           </a:bodyPr>
           <a:lstStyle>
@@ -3399,9 +3133,9 @@
               <a:spcAft>
                 <a:spcPts val="0"/>
               </a:spcAft>
-              <a:buSzPts val="1800"/>
-              <a:buNone/>
-              <a:defRPr sz="1800"/>
+              <a:buSzPts val="2800"/>
+              <a:buNone/>
+              <a:defRPr/>
             </a:lvl1pPr>
             <a:lvl2pPr lvl="1">
               <a:spcBef>
@@ -3410,9 +3144,9 @@
               <a:spcAft>
                 <a:spcPts val="0"/>
               </a:spcAft>
-              <a:buSzPts val="1800"/>
-              <a:buNone/>
-              <a:defRPr sz="1800"/>
+              <a:buSzPts val="2800"/>
+              <a:buNone/>
+              <a:defRPr/>
             </a:lvl2pPr>
             <a:lvl3pPr lvl="2">
               <a:spcBef>
@@ -3421,9 +3155,9 @@
               <a:spcAft>
                 <a:spcPts val="0"/>
               </a:spcAft>
-              <a:buSzPts val="1800"/>
-              <a:buNone/>
-              <a:defRPr sz="1800"/>
+              <a:buSzPts val="2800"/>
+              <a:buNone/>
+              <a:defRPr/>
             </a:lvl3pPr>
             <a:lvl4pPr lvl="3">
               <a:spcBef>
@@ -3432,9 +3166,9 @@
               <a:spcAft>
                 <a:spcPts val="0"/>
               </a:spcAft>
-              <a:buSzPts val="1800"/>
-              <a:buNone/>
-              <a:defRPr sz="1800"/>
+              <a:buSzPts val="2800"/>
+              <a:buNone/>
+              <a:defRPr/>
             </a:lvl4pPr>
             <a:lvl5pPr lvl="4">
               <a:spcBef>
@@ -3443,9 +3177,9 @@
               <a:spcAft>
                 <a:spcPts val="0"/>
               </a:spcAft>
-              <a:buSzPts val="1800"/>
-              <a:buNone/>
-              <a:defRPr sz="1800"/>
+              <a:buSzPts val="2800"/>
+              <a:buNone/>
+              <a:defRPr/>
             </a:lvl5pPr>
             <a:lvl6pPr lvl="5">
               <a:spcBef>
@@ -3454,9 +3188,9 @@
               <a:spcAft>
                 <a:spcPts val="0"/>
               </a:spcAft>
-              <a:buSzPts val="1800"/>
-              <a:buNone/>
-              <a:defRPr sz="1800"/>
+              <a:buSzPts val="2800"/>
+              <a:buNone/>
+              <a:defRPr/>
             </a:lvl6pPr>
             <a:lvl7pPr lvl="6">
               <a:spcBef>
@@ -3465,9 +3199,9 @@
               <a:spcAft>
                 <a:spcPts val="0"/>
               </a:spcAft>
-              <a:buSzPts val="1800"/>
-              <a:buNone/>
-              <a:defRPr sz="1800"/>
+              <a:buSzPts val="2800"/>
+              <a:buNone/>
+              <a:defRPr/>
             </a:lvl7pPr>
             <a:lvl8pPr lvl="7">
               <a:spcBef>
@@ -3476,9 +3210,9 @@
               <a:spcAft>
                 <a:spcPts val="0"/>
               </a:spcAft>
-              <a:buSzPts val="1800"/>
-              <a:buNone/>
-              <a:defRPr sz="1800"/>
+              <a:buSzPts val="2800"/>
+              <a:buNone/>
+              <a:defRPr/>
             </a:lvl8pPr>
             <a:lvl9pPr lvl="8">
               <a:spcBef>
@@ -3487,9 +3221,9 @@
               <a:spcAft>
                 <a:spcPts val="0"/>
               </a:spcAft>
-              <a:buSzPts val="1800"/>
-              <a:buNone/>
-              <a:defRPr sz="1800"/>
+              <a:buSzPts val="2800"/>
+              <a:buNone/>
+              <a:defRPr/>
             </a:lvl9pPr>
           </a:lstStyle>
           <a:p/>
@@ -3497,7 +3231,7 @@
       </p:sp>
       <p:sp>
         <p:nvSpPr>
-          <p:cNvPr id="35" name="Google Shape;35;p6"/>
+          <p:cNvPr id="27" name="Google Shape;27;p6"/>
           <p:cNvSpPr txBox="1"/>
           <p:nvPr>
             <p:ph idx="12" type="sldNum"/>
@@ -3505,7 +3239,7 @@
         </p:nvSpPr>
         <p:spPr>
           <a:xfrm>
-            <a:off x="8523541" y="4695623"/>
+            <a:off x="8472458" y="4663217"/>
             <a:ext cx="548700" cy="393600"/>
           </a:xfrm>
           <a:prstGeom prst="rect">
@@ -3585,7 +3319,7 @@
   <p:cSld name="ONE_COLUMN_TEXT">
     <p:spTree>
       <p:nvGrpSpPr>
-        <p:cNvPr id="36" name="Shape 36"/>
+        <p:cNvPr id="28" name="Shape 28"/>
         <p:cNvGrpSpPr/>
         <p:nvPr/>
       </p:nvGrpSpPr>
@@ -3599,107 +3333,7 @@
       </p:grpSpPr>
       <p:sp>
         <p:nvSpPr>
-          <p:cNvPr id="37" name="Google Shape;37;p7"/>
-          <p:cNvSpPr txBox="1"/>
-          <p:nvPr/>
-        </p:nvSpPr>
-        <p:spPr>
-          <a:xfrm flipH="1" rot="10800000">
-            <a:off x="3276600" y="25"/>
-            <a:ext cx="5867400" cy="5143500"/>
-          </a:xfrm>
-          <a:prstGeom prst="rect">
-            <a:avLst/>
-          </a:prstGeom>
-          <a:solidFill>
-            <a:schemeClr val="accent4"/>
-          </a:solidFill>
-          <a:ln>
-            <a:noFill/>
-          </a:ln>
-        </p:spPr>
-        <p:txBody>
-          <a:bodyPr anchorCtr="0" anchor="ctr" bIns="91425" lIns="91425" spcFirstLastPara="1" rIns="91425" wrap="square" tIns="91425">
-            <a:noAutofit/>
-          </a:bodyPr>
-          <a:lstStyle/>
-          <a:p>
-            <a:pPr indent="0" lvl="0" marL="0" rtl="0" algn="l">
-              <a:spcBef>
-                <a:spcPts val="0"/>
-              </a:spcBef>
-              <a:spcAft>
-                <a:spcPts val="0"/>
-              </a:spcAft>
-              <a:buNone/>
-            </a:pPr>
-            <a:r>
-              <a:t/>
-            </a:r>
-            <a:endParaRPr/>
-          </a:p>
-        </p:txBody>
-      </p:sp>
-      <p:sp>
-        <p:nvSpPr>
-          <p:cNvPr id="38" name="Google Shape;38;p7"/>
-          <p:cNvSpPr/>
-          <p:nvPr/>
-        </p:nvSpPr>
-        <p:spPr>
-          <a:xfrm rot="-5400000">
-            <a:off x="759150" y="2517450"/>
-            <a:ext cx="5143500" cy="108600"/>
-          </a:xfrm>
-          <a:prstGeom prst="rect">
-            <a:avLst/>
-          </a:prstGeom>
-          <a:gradFill>
-            <a:gsLst>
-              <a:gs pos="0">
-                <a:srgbClr val="F9F9F9"/>
-              </a:gs>
-              <a:gs pos="36000">
-                <a:srgbClr val="F9F9F9"/>
-              </a:gs>
-              <a:gs pos="80000">
-                <a:srgbClr val="DEDEDE"/>
-              </a:gs>
-              <a:gs pos="100000">
-                <a:srgbClr val="999999"/>
-              </a:gs>
-            </a:gsLst>
-            <a:lin ang="16200038" scaled="0"/>
-          </a:gradFill>
-          <a:ln>
-            <a:noFill/>
-          </a:ln>
-        </p:spPr>
-        <p:txBody>
-          <a:bodyPr anchorCtr="0" anchor="ctr" bIns="91425" lIns="91425" spcFirstLastPara="1" rIns="91425" wrap="square" tIns="91425">
-            <a:noAutofit/>
-          </a:bodyPr>
-          <a:lstStyle/>
-          <a:p>
-            <a:pPr indent="0" lvl="0" marL="0" rtl="0" algn="l">
-              <a:spcBef>
-                <a:spcPts val="0"/>
-              </a:spcBef>
-              <a:spcAft>
-                <a:spcPts val="0"/>
-              </a:spcAft>
-              <a:buNone/>
-            </a:pPr>
-            <a:r>
-              <a:t/>
-            </a:r>
-            <a:endParaRPr/>
-          </a:p>
-        </p:txBody>
-      </p:sp>
-      <p:sp>
-        <p:nvSpPr>
-          <p:cNvPr id="39" name="Google Shape;39;p7"/>
+          <p:cNvPr id="29" name="Google Shape;29;p7"/>
           <p:cNvSpPr txBox="1"/>
           <p:nvPr>
             <p:ph type="title"/>
@@ -3707,8 +3341,8 @@
         </p:nvSpPr>
         <p:spPr>
           <a:xfrm>
-            <a:off x="226078" y="357800"/>
-            <a:ext cx="2808000" cy="953400"/>
+            <a:off x="311700" y="555600"/>
+            <a:ext cx="2808000" cy="755700"/>
           </a:xfrm>
           <a:prstGeom prst="rect">
             <a:avLst/>
@@ -3824,7 +3458,7 @@
       </p:sp>
       <p:sp>
         <p:nvSpPr>
-          <p:cNvPr id="40" name="Google Shape;40;p7"/>
+          <p:cNvPr id="30" name="Google Shape;30;p7"/>
           <p:cNvSpPr txBox="1"/>
           <p:nvPr>
             <p:ph idx="1" type="body"/>
@@ -3832,8 +3466,8 @@
         </p:nvSpPr>
         <p:spPr>
           <a:xfrm>
-            <a:off x="226075" y="1465800"/>
-            <a:ext cx="2808000" cy="3163500"/>
+            <a:off x="311700" y="1389600"/>
+            <a:ext cx="2808000" cy="3179400"/>
           </a:xfrm>
           <a:prstGeom prst="rect">
             <a:avLst/>
@@ -3851,16 +3485,9 @@
               <a:spcAft>
                 <a:spcPts val="0"/>
               </a:spcAft>
-              <a:buClr>
-                <a:schemeClr val="lt1"/>
-              </a:buClr>
               <a:buSzPts val="1200"/>
               <a:buChar char="●"/>
-              <a:defRPr sz="1200">
-                <a:solidFill>
-                  <a:schemeClr val="lt1"/>
-                </a:solidFill>
-              </a:defRPr>
+              <a:defRPr sz="1200"/>
             </a:lvl1pPr>
             <a:lvl2pPr indent="-304800" lvl="1" marL="914400">
               <a:spcBef>
@@ -3869,16 +3496,9 @@
               <a:spcAft>
                 <a:spcPts val="0"/>
               </a:spcAft>
-              <a:buClr>
-                <a:schemeClr val="lt1"/>
-              </a:buClr>
               <a:buSzPts val="1200"/>
               <a:buChar char="○"/>
-              <a:defRPr sz="1200">
-                <a:solidFill>
-                  <a:schemeClr val="lt1"/>
-                </a:solidFill>
-              </a:defRPr>
+              <a:defRPr sz="1200"/>
             </a:lvl2pPr>
             <a:lvl3pPr indent="-304800" lvl="2" marL="1371600">
               <a:spcBef>
@@ -3887,16 +3507,9 @@
               <a:spcAft>
                 <a:spcPts val="0"/>
               </a:spcAft>
-              <a:buClr>
-                <a:schemeClr val="lt1"/>
-              </a:buClr>
               <a:buSzPts val="1200"/>
               <a:buChar char="■"/>
-              <a:defRPr sz="1200">
-                <a:solidFill>
-                  <a:schemeClr val="lt1"/>
-                </a:solidFill>
-              </a:defRPr>
+              <a:defRPr sz="1200"/>
             </a:lvl3pPr>
             <a:lvl4pPr indent="-304800" lvl="3" marL="1828800">
               <a:spcBef>
@@ -3905,16 +3518,9 @@
               <a:spcAft>
                 <a:spcPts val="0"/>
               </a:spcAft>
-              <a:buClr>
-                <a:schemeClr val="lt1"/>
-              </a:buClr>
               <a:buSzPts val="1200"/>
               <a:buChar char="●"/>
-              <a:defRPr sz="1200">
-                <a:solidFill>
-                  <a:schemeClr val="lt1"/>
-                </a:solidFill>
-              </a:defRPr>
+              <a:defRPr sz="1200"/>
             </a:lvl4pPr>
             <a:lvl5pPr indent="-304800" lvl="4" marL="2286000">
               <a:spcBef>
@@ -3923,16 +3529,9 @@
               <a:spcAft>
                 <a:spcPts val="0"/>
               </a:spcAft>
-              <a:buClr>
-                <a:schemeClr val="lt1"/>
-              </a:buClr>
               <a:buSzPts val="1200"/>
               <a:buChar char="○"/>
-              <a:defRPr sz="1200">
-                <a:solidFill>
-                  <a:schemeClr val="lt1"/>
-                </a:solidFill>
-              </a:defRPr>
+              <a:defRPr sz="1200"/>
             </a:lvl5pPr>
             <a:lvl6pPr indent="-304800" lvl="5" marL="2743200">
               <a:spcBef>
@@ -3941,16 +3540,9 @@
               <a:spcAft>
                 <a:spcPts val="0"/>
               </a:spcAft>
-              <a:buClr>
-                <a:schemeClr val="lt1"/>
-              </a:buClr>
               <a:buSzPts val="1200"/>
               <a:buChar char="■"/>
-              <a:defRPr sz="1200">
-                <a:solidFill>
-                  <a:schemeClr val="lt1"/>
-                </a:solidFill>
-              </a:defRPr>
+              <a:defRPr sz="1200"/>
             </a:lvl6pPr>
             <a:lvl7pPr indent="-304800" lvl="6" marL="3200400">
               <a:spcBef>
@@ -3959,16 +3551,9 @@
               <a:spcAft>
                 <a:spcPts val="0"/>
               </a:spcAft>
-              <a:buClr>
-                <a:schemeClr val="lt1"/>
-              </a:buClr>
               <a:buSzPts val="1200"/>
               <a:buChar char="●"/>
-              <a:defRPr sz="1200">
-                <a:solidFill>
-                  <a:schemeClr val="lt1"/>
-                </a:solidFill>
-              </a:defRPr>
+              <a:defRPr sz="1200"/>
             </a:lvl7pPr>
             <a:lvl8pPr indent="-304800" lvl="7" marL="3657600">
               <a:spcBef>
@@ -3977,16 +3562,9 @@
               <a:spcAft>
                 <a:spcPts val="0"/>
               </a:spcAft>
-              <a:buClr>
-                <a:schemeClr val="lt1"/>
-              </a:buClr>
               <a:buSzPts val="1200"/>
               <a:buChar char="○"/>
-              <a:defRPr sz="1200">
-                <a:solidFill>
-                  <a:schemeClr val="lt1"/>
-                </a:solidFill>
-              </a:defRPr>
+              <a:defRPr sz="1200"/>
             </a:lvl8pPr>
             <a:lvl9pPr indent="-304800" lvl="8" marL="4114800">
               <a:spcBef>
@@ -3995,16 +3573,9 @@
               <a:spcAft>
                 <a:spcPts val="0"/>
               </a:spcAft>
-              <a:buClr>
-                <a:schemeClr val="lt1"/>
-              </a:buClr>
               <a:buSzPts val="1200"/>
               <a:buChar char="■"/>
-              <a:defRPr sz="1200">
-                <a:solidFill>
-                  <a:schemeClr val="lt1"/>
-                </a:solidFill>
-              </a:defRPr>
+              <a:defRPr sz="1200"/>
             </a:lvl9pPr>
           </a:lstStyle>
           <a:p/>
@@ -4012,7 +3583,7 @@
       </p:sp>
       <p:sp>
         <p:nvSpPr>
-          <p:cNvPr id="41" name="Google Shape;41;p7"/>
+          <p:cNvPr id="31" name="Google Shape;31;p7"/>
           <p:cNvSpPr txBox="1"/>
           <p:nvPr>
             <p:ph idx="12" type="sldNum"/>
@@ -4020,7 +3591,7 @@
         </p:nvSpPr>
         <p:spPr>
           <a:xfrm>
-            <a:off x="8523541" y="4695623"/>
+            <a:off x="8472458" y="4663217"/>
             <a:ext cx="548700" cy="393600"/>
           </a:xfrm>
           <a:prstGeom prst="rect">
@@ -4100,7 +3671,7 @@
   <p:cSld name="MAIN_POINT">
     <p:spTree>
       <p:nvGrpSpPr>
-        <p:cNvPr id="42" name="Shape 42"/>
+        <p:cNvPr id="32" name="Shape 32"/>
         <p:cNvGrpSpPr/>
         <p:nvPr/>
       </p:nvGrpSpPr>
@@ -4114,7 +3685,7 @@
       </p:grpSpPr>
       <p:sp>
         <p:nvSpPr>
-          <p:cNvPr id="43" name="Google Shape;43;p8"/>
+          <p:cNvPr id="33" name="Google Shape;33;p8"/>
           <p:cNvSpPr txBox="1"/>
           <p:nvPr>
             <p:ph type="title"/>
@@ -4122,8 +3693,8 @@
         </p:nvSpPr>
         <p:spPr>
           <a:xfrm>
-            <a:off x="490250" y="488250"/>
-            <a:ext cx="6227100" cy="4090800"/>
+            <a:off x="490250" y="450150"/>
+            <a:ext cx="6367800" cy="4090800"/>
           </a:xfrm>
           <a:prstGeom prst="rect">
             <a:avLst/>
@@ -4141,9 +3712,9 @@
               <a:spcAft>
                 <a:spcPts val="0"/>
               </a:spcAft>
-              <a:buSzPts val="6000"/>
-              <a:buNone/>
-              <a:defRPr sz="6000"/>
+              <a:buSzPts val="4800"/>
+              <a:buNone/>
+              <a:defRPr sz="4800"/>
             </a:lvl1pPr>
             <a:lvl2pPr lvl="1">
               <a:spcBef>
@@ -4152,9 +3723,9 @@
               <a:spcAft>
                 <a:spcPts val="0"/>
               </a:spcAft>
-              <a:buSzPts val="6000"/>
-              <a:buNone/>
-              <a:defRPr sz="6000"/>
+              <a:buSzPts val="4800"/>
+              <a:buNone/>
+              <a:defRPr sz="4800"/>
             </a:lvl2pPr>
             <a:lvl3pPr lvl="2">
               <a:spcBef>
@@ -4163,9 +3734,9 @@
               <a:spcAft>
                 <a:spcPts val="0"/>
               </a:spcAft>
-              <a:buSzPts val="6000"/>
-              <a:buNone/>
-              <a:defRPr sz="6000"/>
+              <a:buSzPts val="4800"/>
+              <a:buNone/>
+              <a:defRPr sz="4800"/>
             </a:lvl3pPr>
             <a:lvl4pPr lvl="3">
               <a:spcBef>
@@ -4174,9 +3745,9 @@
               <a:spcAft>
                 <a:spcPts val="0"/>
               </a:spcAft>
-              <a:buSzPts val="6000"/>
-              <a:buNone/>
-              <a:defRPr sz="6000"/>
+              <a:buSzPts val="4800"/>
+              <a:buNone/>
+              <a:defRPr sz="4800"/>
             </a:lvl4pPr>
             <a:lvl5pPr lvl="4">
               <a:spcBef>
@@ -4185,9 +3756,9 @@
               <a:spcAft>
                 <a:spcPts val="0"/>
               </a:spcAft>
-              <a:buSzPts val="6000"/>
-              <a:buNone/>
-              <a:defRPr sz="6000"/>
+              <a:buSzPts val="4800"/>
+              <a:buNone/>
+              <a:defRPr sz="4800"/>
             </a:lvl5pPr>
             <a:lvl6pPr lvl="5">
               <a:spcBef>
@@ -4196,9 +3767,9 @@
               <a:spcAft>
                 <a:spcPts val="0"/>
               </a:spcAft>
-              <a:buSzPts val="6000"/>
-              <a:buNone/>
-              <a:defRPr sz="6000"/>
+              <a:buSzPts val="4800"/>
+              <a:buNone/>
+              <a:defRPr sz="4800"/>
             </a:lvl6pPr>
             <a:lvl7pPr lvl="6">
               <a:spcBef>
@@ -4207,9 +3778,9 @@
               <a:spcAft>
                 <a:spcPts val="0"/>
               </a:spcAft>
-              <a:buSzPts val="6000"/>
-              <a:buNone/>
-              <a:defRPr sz="6000"/>
+              <a:buSzPts val="4800"/>
+              <a:buNone/>
+              <a:defRPr sz="4800"/>
             </a:lvl7pPr>
             <a:lvl8pPr lvl="7">
               <a:spcBef>
@@ -4218,9 +3789,9 @@
               <a:spcAft>
                 <a:spcPts val="0"/>
               </a:spcAft>
-              <a:buSzPts val="6000"/>
-              <a:buNone/>
-              <a:defRPr sz="6000"/>
+              <a:buSzPts val="4800"/>
+              <a:buNone/>
+              <a:defRPr sz="4800"/>
             </a:lvl8pPr>
             <a:lvl9pPr lvl="8">
               <a:spcBef>
@@ -4229,9 +3800,9 @@
               <a:spcAft>
                 <a:spcPts val="0"/>
               </a:spcAft>
-              <a:buSzPts val="6000"/>
-              <a:buNone/>
-              <a:defRPr sz="6000"/>
+              <a:buSzPts val="4800"/>
+              <a:buNone/>
+              <a:defRPr sz="4800"/>
             </a:lvl9pPr>
           </a:lstStyle>
           <a:p/>
@@ -4239,7 +3810,7 @@
       </p:sp>
       <p:sp>
         <p:nvSpPr>
-          <p:cNvPr id="44" name="Google Shape;44;p8"/>
+          <p:cNvPr id="34" name="Google Shape;34;p8"/>
           <p:cNvSpPr txBox="1"/>
           <p:nvPr>
             <p:ph idx="12" type="sldNum"/>
@@ -4247,7 +3818,7 @@
         </p:nvSpPr>
         <p:spPr>
           <a:xfrm>
-            <a:off x="8523541" y="4695623"/>
+            <a:off x="8472458" y="4663217"/>
             <a:ext cx="548700" cy="393600"/>
           </a:xfrm>
           <a:prstGeom prst="rect">
@@ -4261,75 +3832,39 @@
           <a:lstStyle>
             <a:lvl1pPr lvl="0">
               <a:buNone/>
-              <a:defRPr>
-                <a:solidFill>
-                  <a:schemeClr val="lt1"/>
-                </a:solidFill>
-              </a:defRPr>
+              <a:defRPr/>
             </a:lvl1pPr>
             <a:lvl2pPr lvl="1">
               <a:buNone/>
-              <a:defRPr>
-                <a:solidFill>
-                  <a:schemeClr val="lt1"/>
-                </a:solidFill>
-              </a:defRPr>
+              <a:defRPr/>
             </a:lvl2pPr>
             <a:lvl3pPr lvl="2">
               <a:buNone/>
-              <a:defRPr>
-                <a:solidFill>
-                  <a:schemeClr val="lt1"/>
-                </a:solidFill>
-              </a:defRPr>
+              <a:defRPr/>
             </a:lvl3pPr>
             <a:lvl4pPr lvl="3">
               <a:buNone/>
-              <a:defRPr>
-                <a:solidFill>
-                  <a:schemeClr val="lt1"/>
-                </a:solidFill>
-              </a:defRPr>
+              <a:defRPr/>
             </a:lvl4pPr>
             <a:lvl5pPr lvl="4">
               <a:buNone/>
-              <a:defRPr>
-                <a:solidFill>
-                  <a:schemeClr val="lt1"/>
-                </a:solidFill>
-              </a:defRPr>
+              <a:defRPr/>
             </a:lvl5pPr>
             <a:lvl6pPr lvl="5">
               <a:buNone/>
-              <a:defRPr>
-                <a:solidFill>
-                  <a:schemeClr val="lt1"/>
-                </a:solidFill>
-              </a:defRPr>
+              <a:defRPr/>
             </a:lvl6pPr>
             <a:lvl7pPr lvl="6">
               <a:buNone/>
-              <a:defRPr>
-                <a:solidFill>
-                  <a:schemeClr val="lt1"/>
-                </a:solidFill>
-              </a:defRPr>
+              <a:defRPr/>
             </a:lvl7pPr>
             <a:lvl8pPr lvl="7">
               <a:buNone/>
-              <a:defRPr>
-                <a:solidFill>
-                  <a:schemeClr val="lt1"/>
-                </a:solidFill>
-              </a:defRPr>
+              <a:defRPr/>
             </a:lvl8pPr>
             <a:lvl9pPr lvl="8">
               <a:buNone/>
-              <a:defRPr>
-                <a:solidFill>
-                  <a:schemeClr val="lt1"/>
-                </a:solidFill>
-              </a:defRPr>
+              <a:defRPr/>
             </a:lvl9pPr>
           </a:lstStyle>
           <a:p>
@@ -4363,7 +3898,7 @@
   <p:cSld name="SECTION_TITLE_AND_DESCRIPTION">
     <p:spTree>
       <p:nvGrpSpPr>
-        <p:cNvPr id="45" name="Shape 45"/>
+        <p:cNvPr id="35" name="Shape 35"/>
         <p:cNvGrpSpPr/>
         <p:nvPr/>
       </p:nvGrpSpPr>
@@ -4377,20 +3912,20 @@
       </p:grpSpPr>
       <p:sp>
         <p:nvSpPr>
-          <p:cNvPr id="46" name="Google Shape;46;p9"/>
+          <p:cNvPr id="36" name="Google Shape;36;p9"/>
           <p:cNvSpPr/>
           <p:nvPr/>
         </p:nvSpPr>
         <p:spPr>
-          <a:xfrm flipH="1">
-            <a:off x="0" y="0"/>
+          <a:xfrm>
+            <a:off x="4572000" y="-125"/>
             <a:ext cx="4572000" cy="5143500"/>
           </a:xfrm>
           <a:prstGeom prst="rect">
             <a:avLst/>
           </a:prstGeom>
           <a:solidFill>
-            <a:schemeClr val="accent4"/>
+            <a:schemeClr val="lt2"/>
           </a:solidFill>
           <a:ln>
             <a:noFill/>
@@ -4420,64 +3955,7 @@
       </p:sp>
       <p:sp>
         <p:nvSpPr>
-          <p:cNvPr id="47" name="Google Shape;47;p9"/>
-          <p:cNvSpPr/>
-          <p:nvPr/>
-        </p:nvSpPr>
-        <p:spPr>
-          <a:xfrm rot="5400000">
-            <a:off x="1946425" y="2517750"/>
-            <a:ext cx="5142900" cy="108600"/>
-          </a:xfrm>
-          <a:prstGeom prst="rect">
-            <a:avLst/>
-          </a:prstGeom>
-          <a:gradFill>
-            <a:gsLst>
-              <a:gs pos="0">
-                <a:srgbClr val="F9F9F9"/>
-              </a:gs>
-              <a:gs pos="36000">
-                <a:srgbClr val="F9F9F9"/>
-              </a:gs>
-              <a:gs pos="80000">
-                <a:srgbClr val="DEDEDE"/>
-              </a:gs>
-              <a:gs pos="100000">
-                <a:srgbClr val="999999"/>
-              </a:gs>
-            </a:gsLst>
-            <a:lin ang="16200038" scaled="0"/>
-          </a:gradFill>
-          <a:ln>
-            <a:noFill/>
-          </a:ln>
-        </p:spPr>
-        <p:txBody>
-          <a:bodyPr anchorCtr="0" anchor="ctr" bIns="91425" lIns="91425" spcFirstLastPara="1" rIns="91425" wrap="square" tIns="91425">
-            <a:noAutofit/>
-          </a:bodyPr>
-          <a:lstStyle/>
-          <a:p>
-            <a:pPr indent="0" lvl="0" marL="0" rtl="0" algn="l">
-              <a:spcBef>
-                <a:spcPts val="0"/>
-              </a:spcBef>
-              <a:spcAft>
-                <a:spcPts val="0"/>
-              </a:spcAft>
-              <a:buNone/>
-            </a:pPr>
-            <a:r>
-              <a:t/>
-            </a:r>
-            <a:endParaRPr/>
-          </a:p>
-        </p:txBody>
-      </p:sp>
-      <p:sp>
-        <p:nvSpPr>
-          <p:cNvPr id="48" name="Google Shape;48;p9"/>
+          <p:cNvPr id="37" name="Google Shape;37;p9"/>
           <p:cNvSpPr txBox="1"/>
           <p:nvPr>
             <p:ph type="title"/>
@@ -4504,16 +3982,9 @@
               <a:spcAft>
                 <a:spcPts val="0"/>
               </a:spcAft>
-              <a:buClr>
-                <a:schemeClr val="dk2"/>
-              </a:buClr>
               <a:buSzPts val="4200"/>
               <a:buNone/>
-              <a:defRPr sz="4200">
-                <a:solidFill>
-                  <a:schemeClr val="dk2"/>
-                </a:solidFill>
-              </a:defRPr>
+              <a:defRPr sz="4200"/>
             </a:lvl1pPr>
             <a:lvl2pPr lvl="1" algn="ctr">
               <a:spcBef>
@@ -4522,16 +3993,9 @@
               <a:spcAft>
                 <a:spcPts val="0"/>
               </a:spcAft>
-              <a:buClr>
-                <a:schemeClr val="dk2"/>
-              </a:buClr>
               <a:buSzPts val="4200"/>
               <a:buNone/>
-              <a:defRPr sz="4200">
-                <a:solidFill>
-                  <a:schemeClr val="dk2"/>
-                </a:solidFill>
-              </a:defRPr>
+              <a:defRPr sz="4200"/>
             </a:lvl2pPr>
             <a:lvl3pPr lvl="2" algn="ctr">
               <a:spcBef>
@@ -4540,16 +4004,9 @@
               <a:spcAft>
                 <a:spcPts val="0"/>
               </a:spcAft>
-              <a:buClr>
-                <a:schemeClr val="dk2"/>
-              </a:buClr>
               <a:buSzPts val="4200"/>
               <a:buNone/>
-              <a:defRPr sz="4200">
-                <a:solidFill>
-                  <a:schemeClr val="dk2"/>
-                </a:solidFill>
-              </a:defRPr>
+              <a:defRPr sz="4200"/>
             </a:lvl3pPr>
             <a:lvl4pPr lvl="3" algn="ctr">
               <a:spcBef>
@@ -4558,16 +4015,9 @@
               <a:spcAft>
                 <a:spcPts val="0"/>
               </a:spcAft>
-              <a:buClr>
-                <a:schemeClr val="dk2"/>
-              </a:buClr>
               <a:buSzPts val="4200"/>
               <a:buNone/>
-              <a:defRPr sz="4200">
-                <a:solidFill>
-                  <a:schemeClr val="dk2"/>
-                </a:solidFill>
-              </a:defRPr>
+              <a:defRPr sz="4200"/>
             </a:lvl4pPr>
             <a:lvl5pPr lvl="4" algn="ctr">
               <a:spcBef>
@@ -4576,16 +4026,9 @@
               <a:spcAft>
                 <a:spcPts val="0"/>
               </a:spcAft>
-              <a:buClr>
-                <a:schemeClr val="dk2"/>
-              </a:buClr>
               <a:buSzPts val="4200"/>
               <a:buNone/>
-              <a:defRPr sz="4200">
-                <a:solidFill>
-                  <a:schemeClr val="dk2"/>
-                </a:solidFill>
-              </a:defRPr>
+              <a:defRPr sz="4200"/>
             </a:lvl5pPr>
             <a:lvl6pPr lvl="5" algn="ctr">
               <a:spcBef>
@@ -4594,16 +4037,9 @@
               <a:spcAft>
                 <a:spcPts val="0"/>
               </a:spcAft>
-              <a:buClr>
-                <a:schemeClr val="dk2"/>
-              </a:buClr>
               <a:buSzPts val="4200"/>
               <a:buNone/>
-              <a:defRPr sz="4200">
-                <a:solidFill>
-                  <a:schemeClr val="dk2"/>
-                </a:solidFill>
-              </a:defRPr>
+              <a:defRPr sz="4200"/>
             </a:lvl6pPr>
             <a:lvl7pPr lvl="6" algn="ctr">
               <a:spcBef>
@@ -4612,16 +4048,9 @@
               <a:spcAft>
                 <a:spcPts val="0"/>
               </a:spcAft>
-              <a:buClr>
-                <a:schemeClr val="dk2"/>
-              </a:buClr>
               <a:buSzPts val="4200"/>
               <a:buNone/>
-              <a:defRPr sz="4200">
-                <a:solidFill>
-                  <a:schemeClr val="dk2"/>
-                </a:solidFill>
-              </a:defRPr>
+              <a:defRPr sz="4200"/>
             </a:lvl7pPr>
             <a:lvl8pPr lvl="7" algn="ctr">
               <a:spcBef>
@@ -4630,16 +4059,9 @@
               <a:spcAft>
                 <a:spcPts val="0"/>
               </a:spcAft>
-              <a:buClr>
-                <a:schemeClr val="dk2"/>
-              </a:buClr>
               <a:buSzPts val="4200"/>
               <a:buNone/>
-              <a:defRPr sz="4200">
-                <a:solidFill>
-                  <a:schemeClr val="dk2"/>
-                </a:solidFill>
-              </a:defRPr>
+              <a:defRPr sz="4200"/>
             </a:lvl8pPr>
             <a:lvl9pPr lvl="8" algn="ctr">
               <a:spcBef>
@@ -4648,16 +4070,9 @@
               <a:spcAft>
                 <a:spcPts val="0"/>
               </a:spcAft>
-              <a:buClr>
-                <a:schemeClr val="dk2"/>
-              </a:buClr>
               <a:buSzPts val="4200"/>
               <a:buNone/>
-              <a:defRPr sz="4200">
-                <a:solidFill>
-                  <a:schemeClr val="dk2"/>
-                </a:solidFill>
-              </a:defRPr>
+              <a:defRPr sz="4200"/>
             </a:lvl9pPr>
           </a:lstStyle>
           <a:p/>
@@ -4665,7 +4080,7 @@
       </p:sp>
       <p:sp>
         <p:nvSpPr>
-          <p:cNvPr id="49" name="Google Shape;49;p9"/>
+          <p:cNvPr id="38" name="Google Shape;38;p9"/>
           <p:cNvSpPr txBox="1"/>
           <p:nvPr>
             <p:ph idx="1" type="subTitle"/>
@@ -4673,7 +4088,7 @@
         </p:nvSpPr>
         <p:spPr>
           <a:xfrm>
-            <a:off x="265500" y="2779467"/>
+            <a:off x="265500" y="2803075"/>
             <a:ext cx="4045200" cy="1235100"/>
           </a:xfrm>
           <a:prstGeom prst="rect">
@@ -4817,7 +4232,7 @@
       </p:sp>
       <p:sp>
         <p:nvSpPr>
-          <p:cNvPr id="50" name="Google Shape;50;p9"/>
+          <p:cNvPr id="39" name="Google Shape;39;p9"/>
           <p:cNvSpPr txBox="1"/>
           <p:nvPr>
             <p:ph idx="2" type="body"/>
@@ -4825,7 +4240,7 @@
         </p:nvSpPr>
         <p:spPr>
           <a:xfrm>
-            <a:off x="4939500" y="724200"/>
+            <a:off x="4939500" y="724075"/>
             <a:ext cx="3837000" cy="3695100"/>
           </a:xfrm>
           <a:prstGeom prst="rect">
@@ -4844,16 +4259,9 @@
               <a:spcAft>
                 <a:spcPts val="0"/>
               </a:spcAft>
-              <a:buClr>
-                <a:schemeClr val="lt1"/>
-              </a:buClr>
               <a:buSzPts val="1800"/>
               <a:buChar char="●"/>
-              <a:defRPr>
-                <a:solidFill>
-                  <a:schemeClr val="lt1"/>
-                </a:solidFill>
-              </a:defRPr>
+              <a:defRPr/>
             </a:lvl1pPr>
             <a:lvl2pPr indent="-317500" lvl="1" marL="914400">
               <a:spcBef>
@@ -4862,16 +4270,9 @@
               <a:spcAft>
                 <a:spcPts val="0"/>
               </a:spcAft>
-              <a:buClr>
-                <a:schemeClr val="lt1"/>
-              </a:buClr>
               <a:buSzPts val="1400"/>
               <a:buChar char="○"/>
-              <a:defRPr>
-                <a:solidFill>
-                  <a:schemeClr val="lt1"/>
-                </a:solidFill>
-              </a:defRPr>
+              <a:defRPr/>
             </a:lvl2pPr>
             <a:lvl3pPr indent="-317500" lvl="2" marL="1371600">
               <a:spcBef>
@@ -4880,16 +4281,9 @@
               <a:spcAft>
                 <a:spcPts val="0"/>
               </a:spcAft>
-              <a:buClr>
-                <a:schemeClr val="lt1"/>
-              </a:buClr>
               <a:buSzPts val="1400"/>
               <a:buChar char="■"/>
-              <a:defRPr>
-                <a:solidFill>
-                  <a:schemeClr val="lt1"/>
-                </a:solidFill>
-              </a:defRPr>
+              <a:defRPr/>
             </a:lvl3pPr>
             <a:lvl4pPr indent="-317500" lvl="3" marL="1828800">
               <a:spcBef>
@@ -4898,16 +4292,9 @@
               <a:spcAft>
                 <a:spcPts val="0"/>
               </a:spcAft>
-              <a:buClr>
-                <a:schemeClr val="lt1"/>
-              </a:buClr>
               <a:buSzPts val="1400"/>
               <a:buChar char="●"/>
-              <a:defRPr>
-                <a:solidFill>
-                  <a:schemeClr val="lt1"/>
-                </a:solidFill>
-              </a:defRPr>
+              <a:defRPr/>
             </a:lvl4pPr>
             <a:lvl5pPr indent="-317500" lvl="4" marL="2286000">
               <a:spcBef>
@@ -4916,16 +4303,9 @@
               <a:spcAft>
                 <a:spcPts val="0"/>
               </a:spcAft>
-              <a:buClr>
-                <a:schemeClr val="lt1"/>
-              </a:buClr>
               <a:buSzPts val="1400"/>
               <a:buChar char="○"/>
-              <a:defRPr>
-                <a:solidFill>
-                  <a:schemeClr val="lt1"/>
-                </a:solidFill>
-              </a:defRPr>
+              <a:defRPr/>
             </a:lvl5pPr>
             <a:lvl6pPr indent="-317500" lvl="5" marL="2743200">
               <a:spcBef>
@@ -4934,16 +4314,9 @@
               <a:spcAft>
                 <a:spcPts val="0"/>
               </a:spcAft>
-              <a:buClr>
-                <a:schemeClr val="lt1"/>
-              </a:buClr>
               <a:buSzPts val="1400"/>
               <a:buChar char="■"/>
-              <a:defRPr>
-                <a:solidFill>
-                  <a:schemeClr val="lt1"/>
-                </a:solidFill>
-              </a:defRPr>
+              <a:defRPr/>
             </a:lvl6pPr>
             <a:lvl7pPr indent="-317500" lvl="6" marL="3200400">
               <a:spcBef>
@@ -4952,16 +4325,9 @@
               <a:spcAft>
                 <a:spcPts val="0"/>
               </a:spcAft>
-              <a:buClr>
-                <a:schemeClr val="lt1"/>
-              </a:buClr>
               <a:buSzPts val="1400"/>
               <a:buChar char="●"/>
-              <a:defRPr>
-                <a:solidFill>
-                  <a:schemeClr val="lt1"/>
-                </a:solidFill>
-              </a:defRPr>
+              <a:defRPr/>
             </a:lvl7pPr>
             <a:lvl8pPr indent="-317500" lvl="7" marL="3657600">
               <a:spcBef>
@@ -4970,16 +4336,9 @@
               <a:spcAft>
                 <a:spcPts val="0"/>
               </a:spcAft>
-              <a:buClr>
-                <a:schemeClr val="lt1"/>
-              </a:buClr>
               <a:buSzPts val="1400"/>
               <a:buChar char="○"/>
-              <a:defRPr>
-                <a:solidFill>
-                  <a:schemeClr val="lt1"/>
-                </a:solidFill>
-              </a:defRPr>
+              <a:defRPr/>
             </a:lvl8pPr>
             <a:lvl9pPr indent="-317500" lvl="8" marL="4114800">
               <a:spcBef>
@@ -4988,16 +4347,9 @@
               <a:spcAft>
                 <a:spcPts val="0"/>
               </a:spcAft>
-              <a:buClr>
-                <a:schemeClr val="lt1"/>
-              </a:buClr>
               <a:buSzPts val="1400"/>
               <a:buChar char="■"/>
-              <a:defRPr>
-                <a:solidFill>
-                  <a:schemeClr val="lt1"/>
-                </a:solidFill>
-              </a:defRPr>
+              <a:defRPr/>
             </a:lvl9pPr>
           </a:lstStyle>
           <a:p/>
@@ -5005,7 +4357,7 @@
       </p:sp>
       <p:sp>
         <p:nvSpPr>
-          <p:cNvPr id="51" name="Google Shape;51;p9"/>
+          <p:cNvPr id="40" name="Google Shape;40;p9"/>
           <p:cNvSpPr txBox="1"/>
           <p:nvPr>
             <p:ph idx="12" type="sldNum"/>
@@ -5013,7 +4365,7 @@
         </p:nvSpPr>
         <p:spPr>
           <a:xfrm>
-            <a:off x="8523541" y="4695623"/>
+            <a:off x="8472458" y="4663217"/>
             <a:ext cx="548700" cy="393600"/>
           </a:xfrm>
           <a:prstGeom prst="rect">
@@ -5027,75 +4379,39 @@
           <a:lstStyle>
             <a:lvl1pPr lvl="0">
               <a:buNone/>
-              <a:defRPr>
-                <a:solidFill>
-                  <a:schemeClr val="lt1"/>
-                </a:solidFill>
-              </a:defRPr>
+              <a:defRPr/>
             </a:lvl1pPr>
             <a:lvl2pPr lvl="1">
               <a:buNone/>
-              <a:defRPr>
-                <a:solidFill>
-                  <a:schemeClr val="lt1"/>
-                </a:solidFill>
-              </a:defRPr>
+              <a:defRPr/>
             </a:lvl2pPr>
             <a:lvl3pPr lvl="2">
               <a:buNone/>
-              <a:defRPr>
-                <a:solidFill>
-                  <a:schemeClr val="lt1"/>
-                </a:solidFill>
-              </a:defRPr>
+              <a:defRPr/>
             </a:lvl3pPr>
             <a:lvl4pPr lvl="3">
               <a:buNone/>
-              <a:defRPr>
-                <a:solidFill>
-                  <a:schemeClr val="lt1"/>
-                </a:solidFill>
-              </a:defRPr>
+              <a:defRPr/>
             </a:lvl4pPr>
             <a:lvl5pPr lvl="4">
               <a:buNone/>
-              <a:defRPr>
-                <a:solidFill>
-                  <a:schemeClr val="lt1"/>
-                </a:solidFill>
-              </a:defRPr>
+              <a:defRPr/>
             </a:lvl5pPr>
             <a:lvl6pPr lvl="5">
               <a:buNone/>
-              <a:defRPr>
-                <a:solidFill>
-                  <a:schemeClr val="lt1"/>
-                </a:solidFill>
-              </a:defRPr>
+              <a:defRPr/>
             </a:lvl6pPr>
             <a:lvl7pPr lvl="6">
               <a:buNone/>
-              <a:defRPr>
-                <a:solidFill>
-                  <a:schemeClr val="lt1"/>
-                </a:solidFill>
-              </a:defRPr>
+              <a:defRPr/>
             </a:lvl7pPr>
             <a:lvl8pPr lvl="7">
               <a:buNone/>
-              <a:defRPr>
-                <a:solidFill>
-                  <a:schemeClr val="lt1"/>
-                </a:solidFill>
-              </a:defRPr>
+              <a:defRPr/>
             </a:lvl8pPr>
             <a:lvl9pPr lvl="8">
               <a:buNone/>
-              <a:defRPr>
-                <a:solidFill>
-                  <a:schemeClr val="lt1"/>
-                </a:solidFill>
-              </a:defRPr>
+              <a:defRPr/>
             </a:lvl9pPr>
           </a:lstStyle>
           <a:p>
@@ -5129,7 +4445,7 @@
   <p:cSld name="CAPTION_ONLY">
     <p:spTree>
       <p:nvGrpSpPr>
-        <p:cNvPr id="52" name="Shape 52"/>
+        <p:cNvPr id="41" name="Shape 41"/>
         <p:cNvGrpSpPr/>
         <p:nvPr/>
       </p:nvGrpSpPr>
@@ -5143,107 +4459,7 @@
       </p:grpSpPr>
       <p:sp>
         <p:nvSpPr>
-          <p:cNvPr id="53" name="Google Shape;53;p10"/>
-          <p:cNvSpPr txBox="1"/>
-          <p:nvPr/>
-        </p:nvSpPr>
-        <p:spPr>
-          <a:xfrm flipH="1" rot="10800000">
-            <a:off x="0" y="0"/>
-            <a:ext cx="9144000" cy="4695900"/>
-          </a:xfrm>
-          <a:prstGeom prst="rect">
-            <a:avLst/>
-          </a:prstGeom>
-          <a:solidFill>
-            <a:schemeClr val="accent4"/>
-          </a:solidFill>
-          <a:ln>
-            <a:noFill/>
-          </a:ln>
-        </p:spPr>
-        <p:txBody>
-          <a:bodyPr anchorCtr="0" anchor="ctr" bIns="91425" lIns="91425" spcFirstLastPara="1" rIns="91425" wrap="square" tIns="91425">
-            <a:noAutofit/>
-          </a:bodyPr>
-          <a:lstStyle/>
-          <a:p>
-            <a:pPr indent="0" lvl="0" marL="0" rtl="0" algn="l">
-              <a:spcBef>
-                <a:spcPts val="0"/>
-              </a:spcBef>
-              <a:spcAft>
-                <a:spcPts val="0"/>
-              </a:spcAft>
-              <a:buNone/>
-            </a:pPr>
-            <a:r>
-              <a:t/>
-            </a:r>
-            <a:endParaRPr/>
-          </a:p>
-        </p:txBody>
-      </p:sp>
-      <p:sp>
-        <p:nvSpPr>
-          <p:cNvPr id="54" name="Google Shape;54;p10"/>
-          <p:cNvSpPr/>
-          <p:nvPr/>
-        </p:nvSpPr>
-        <p:spPr>
-          <a:xfrm flipH="1" rot="10800000">
-            <a:off x="0" y="4622725"/>
-            <a:ext cx="9144000" cy="74100"/>
-          </a:xfrm>
-          <a:prstGeom prst="rect">
-            <a:avLst/>
-          </a:prstGeom>
-          <a:gradFill>
-            <a:gsLst>
-              <a:gs pos="0">
-                <a:srgbClr val="F9F9F9"/>
-              </a:gs>
-              <a:gs pos="36000">
-                <a:srgbClr val="F9F9F9"/>
-              </a:gs>
-              <a:gs pos="80000">
-                <a:srgbClr val="DEDEDE"/>
-              </a:gs>
-              <a:gs pos="100000">
-                <a:srgbClr val="999999"/>
-              </a:gs>
-            </a:gsLst>
-            <a:lin ang="16200038" scaled="0"/>
-          </a:gradFill>
-          <a:ln>
-            <a:noFill/>
-          </a:ln>
-        </p:spPr>
-        <p:txBody>
-          <a:bodyPr anchorCtr="0" anchor="ctr" bIns="91425" lIns="91425" spcFirstLastPara="1" rIns="91425" wrap="square" tIns="91425">
-            <a:noAutofit/>
-          </a:bodyPr>
-          <a:lstStyle/>
-          <a:p>
-            <a:pPr indent="0" lvl="0" marL="0" rtl="0" algn="l">
-              <a:spcBef>
-                <a:spcPts val="0"/>
-              </a:spcBef>
-              <a:spcAft>
-                <a:spcPts val="0"/>
-              </a:spcAft>
-              <a:buNone/>
-            </a:pPr>
-            <a:r>
-              <a:t/>
-            </a:r>
-            <a:endParaRPr/>
-          </a:p>
-        </p:txBody>
-      </p:sp>
-      <p:sp>
-        <p:nvSpPr>
-          <p:cNvPr id="55" name="Google Shape;55;p10"/>
+          <p:cNvPr id="42" name="Google Shape;42;p10"/>
           <p:cNvSpPr txBox="1"/>
           <p:nvPr>
             <p:ph idx="1" type="body"/>
@@ -5251,8 +4467,8 @@
         </p:nvSpPr>
         <p:spPr>
           <a:xfrm>
-            <a:off x="57150" y="4696825"/>
-            <a:ext cx="8382000" cy="446700"/>
+            <a:off x="311700" y="4230575"/>
+            <a:ext cx="5998800" cy="605100"/>
           </a:xfrm>
           <a:prstGeom prst="rect">
             <a:avLst/>
@@ -5273,16 +4489,9 @@
               <a:spcAft>
                 <a:spcPts val="0"/>
               </a:spcAft>
-              <a:buClr>
-                <a:schemeClr val="lt1"/>
-              </a:buClr>
-              <a:buSzPts val="1200"/>
-              <a:buNone/>
-              <a:defRPr sz="1200">
-                <a:solidFill>
-                  <a:schemeClr val="lt1"/>
-                </a:solidFill>
-              </a:defRPr>
+              <a:buSzPts val="1800"/>
+              <a:buNone/>
+              <a:defRPr/>
             </a:lvl1pPr>
           </a:lstStyle>
           <a:p/>
@@ -5290,7 +4499,7 @@
       </p:sp>
       <p:sp>
         <p:nvSpPr>
-          <p:cNvPr id="56" name="Google Shape;56;p10"/>
+          <p:cNvPr id="43" name="Google Shape;43;p10"/>
           <p:cNvSpPr txBox="1"/>
           <p:nvPr>
             <p:ph idx="12" type="sldNum"/>
@@ -5298,7 +4507,7 @@
         </p:nvSpPr>
         <p:spPr>
           <a:xfrm>
-            <a:off x="8523541" y="4695623"/>
+            <a:off x="8472458" y="4663217"/>
             <a:ext cx="548700" cy="393600"/>
           </a:xfrm>
           <a:prstGeom prst="rect">
@@ -5312,75 +4521,39 @@
           <a:lstStyle>
             <a:lvl1pPr lvl="0">
               <a:buNone/>
-              <a:defRPr>
-                <a:solidFill>
-                  <a:schemeClr val="lt1"/>
-                </a:solidFill>
-              </a:defRPr>
+              <a:defRPr/>
             </a:lvl1pPr>
             <a:lvl2pPr lvl="1">
               <a:buNone/>
-              <a:defRPr>
-                <a:solidFill>
-                  <a:schemeClr val="lt1"/>
-                </a:solidFill>
-              </a:defRPr>
+              <a:defRPr/>
             </a:lvl2pPr>
             <a:lvl3pPr lvl="2">
               <a:buNone/>
-              <a:defRPr>
-                <a:solidFill>
-                  <a:schemeClr val="lt1"/>
-                </a:solidFill>
-              </a:defRPr>
+              <a:defRPr/>
             </a:lvl3pPr>
             <a:lvl4pPr lvl="3">
               <a:buNone/>
-              <a:defRPr>
-                <a:solidFill>
-                  <a:schemeClr val="lt1"/>
-                </a:solidFill>
-              </a:defRPr>
+              <a:defRPr/>
             </a:lvl4pPr>
             <a:lvl5pPr lvl="4">
               <a:buNone/>
-              <a:defRPr>
-                <a:solidFill>
-                  <a:schemeClr val="lt1"/>
-                </a:solidFill>
-              </a:defRPr>
+              <a:defRPr/>
             </a:lvl5pPr>
             <a:lvl6pPr lvl="5">
               <a:buNone/>
-              <a:defRPr>
-                <a:solidFill>
-                  <a:schemeClr val="lt1"/>
-                </a:solidFill>
-              </a:defRPr>
+              <a:defRPr/>
             </a:lvl6pPr>
             <a:lvl7pPr lvl="6">
               <a:buNone/>
-              <a:defRPr>
-                <a:solidFill>
-                  <a:schemeClr val="lt1"/>
-                </a:solidFill>
-              </a:defRPr>
+              <a:defRPr/>
             </a:lvl7pPr>
             <a:lvl8pPr lvl="7">
               <a:buNone/>
-              <a:defRPr>
-                <a:solidFill>
-                  <a:schemeClr val="lt1"/>
-                </a:solidFill>
-              </a:defRPr>
+              <a:defRPr/>
             </a:lvl8pPr>
             <a:lvl9pPr lvl="8">
               <a:buNone/>
-              <a:defRPr>
-                <a:solidFill>
-                  <a:schemeClr val="lt1"/>
-                </a:solidFill>
-              </a:defRPr>
+              <a:defRPr/>
             </a:lvl9pPr>
           </a:lstStyle>
           <a:p>
@@ -5411,11 +4584,11 @@
 
 <file path=ppt/slideMasters/slideMaster1.xml><?xml version="1.0" encoding="utf-8"?>
 <p:sldMaster xmlns:a="http://schemas.openxmlformats.org/drawingml/2006/main" xmlns:r="http://schemas.openxmlformats.org/officeDocument/2006/relationships" xmlns:mc="http://schemas.openxmlformats.org/markup-compatibility/2006" xmlns:mv="urn:schemas-microsoft-com:mac:vml" xmlns:p="http://schemas.openxmlformats.org/presentationml/2006/main" xmlns:c="http://schemas.openxmlformats.org/drawingml/2006/chart" xmlns:dgm="http://schemas.openxmlformats.org/drawingml/2006/diagram" xmlns:o="urn:schemas-microsoft-com:office:office" xmlns:v="urn:schemas-microsoft-com:vml" xmlns:pvml="urn:schemas-microsoft-com:office:powerpoint" xmlns:com="http://schemas.openxmlformats.org/drawingml/2006/compatibility" xmlns:p14="http://schemas.microsoft.com/office/powerpoint/2010/main" xmlns:p15="http://schemas.microsoft.com/office/powerpoint/2012/main" xmlns:ahyp="http://schemas.microsoft.com/office/drawing/2018/hyperlinkcolor">
-  <p:cSld name="material">
+  <p:cSld name="simple-light-2">
     <p:bg>
       <p:bgPr>
         <a:solidFill>
-          <a:schemeClr val="dk1"/>
+          <a:schemeClr val="lt1"/>
         </a:solidFill>
       </p:bgPr>
     </p:bg>
@@ -5443,8 +4616,8 @@
         </p:nvSpPr>
         <p:spPr>
           <a:xfrm>
-            <a:off x="471900" y="738725"/>
-            <a:ext cx="8222100" cy="767700"/>
+            <a:off x="311700" y="445025"/>
+            <a:ext cx="8520600" cy="572700"/>
           </a:xfrm>
           <a:prstGeom prst="rect">
             <a:avLst/>
@@ -5455,7 +4628,7 @@
           </a:ln>
         </p:spPr>
         <p:txBody>
-          <a:bodyPr anchorCtr="0" anchor="b" bIns="91425" lIns="91425" spcFirstLastPara="1" rIns="91425" wrap="square" tIns="91425">
+          <a:bodyPr anchorCtr="0" anchor="t" bIns="91425" lIns="91425" spcFirstLastPara="1" rIns="91425" wrap="square" tIns="91425">
             <a:normAutofit/>
           </a:bodyPr>
           <a:lstStyle>
@@ -5467,19 +4640,14 @@
                 <a:spcPts val="0"/>
               </a:spcAft>
               <a:buClr>
-                <a:schemeClr val="lt1"/>
+                <a:schemeClr val="dk1"/>
               </a:buClr>
-              <a:buSzPts val="3200"/>
-              <a:buFont typeface="Roboto"/>
-              <a:buNone/>
-              <a:defRPr sz="3200">
+              <a:buSzPts val="2800"/>
+              <a:buNone/>
+              <a:defRPr sz="2800">
                 <a:solidFill>
-                  <a:schemeClr val="lt1"/>
+                  <a:schemeClr val="dk1"/>
                 </a:solidFill>
-                <a:latin typeface="Roboto"/>
-                <a:ea typeface="Roboto"/>
-                <a:cs typeface="Roboto"/>
-                <a:sym typeface="Roboto"/>
               </a:defRPr>
             </a:lvl1pPr>
             <a:lvl2pPr lvl="1">
@@ -5490,19 +4658,14 @@
                 <a:spcPts val="0"/>
               </a:spcAft>
               <a:buClr>
-                <a:schemeClr val="lt1"/>
+                <a:schemeClr val="dk1"/>
               </a:buClr>
-              <a:buSzPts val="3200"/>
-              <a:buFont typeface="Roboto"/>
-              <a:buNone/>
-              <a:defRPr sz="3200">
+              <a:buSzPts val="2800"/>
+              <a:buNone/>
+              <a:defRPr sz="2800">
                 <a:solidFill>
-                  <a:schemeClr val="lt1"/>
+                  <a:schemeClr val="dk1"/>
                 </a:solidFill>
-                <a:latin typeface="Roboto"/>
-                <a:ea typeface="Roboto"/>
-                <a:cs typeface="Roboto"/>
-                <a:sym typeface="Roboto"/>
               </a:defRPr>
             </a:lvl2pPr>
             <a:lvl3pPr lvl="2">
@@ -5513,19 +4676,14 @@
                 <a:spcPts val="0"/>
               </a:spcAft>
               <a:buClr>
-                <a:schemeClr val="lt1"/>
+                <a:schemeClr val="dk1"/>
               </a:buClr>
-              <a:buSzPts val="3200"/>
-              <a:buFont typeface="Roboto"/>
-              <a:buNone/>
-              <a:defRPr sz="3200">
+              <a:buSzPts val="2800"/>
+              <a:buNone/>
+              <a:defRPr sz="2800">
                 <a:solidFill>
-                  <a:schemeClr val="lt1"/>
+                  <a:schemeClr val="dk1"/>
                 </a:solidFill>
-                <a:latin typeface="Roboto"/>
-                <a:ea typeface="Roboto"/>
-                <a:cs typeface="Roboto"/>
-                <a:sym typeface="Roboto"/>
               </a:defRPr>
             </a:lvl3pPr>
             <a:lvl4pPr lvl="3">
@@ -5536,19 +4694,14 @@
                 <a:spcPts val="0"/>
               </a:spcAft>
               <a:buClr>
-                <a:schemeClr val="lt1"/>
+                <a:schemeClr val="dk1"/>
               </a:buClr>
-              <a:buSzPts val="3200"/>
-              <a:buFont typeface="Roboto"/>
-              <a:buNone/>
-              <a:defRPr sz="3200">
+              <a:buSzPts val="2800"/>
+              <a:buNone/>
+              <a:defRPr sz="2800">
                 <a:solidFill>
-                  <a:schemeClr val="lt1"/>
+                  <a:schemeClr val="dk1"/>
                 </a:solidFill>
-                <a:latin typeface="Roboto"/>
-                <a:ea typeface="Roboto"/>
-                <a:cs typeface="Roboto"/>
-                <a:sym typeface="Roboto"/>
               </a:defRPr>
             </a:lvl4pPr>
             <a:lvl5pPr lvl="4">
@@ -5559,19 +4712,14 @@
                 <a:spcPts val="0"/>
               </a:spcAft>
               <a:buClr>
-                <a:schemeClr val="lt1"/>
+                <a:schemeClr val="dk1"/>
               </a:buClr>
-              <a:buSzPts val="3200"/>
-              <a:buFont typeface="Roboto"/>
-              <a:buNone/>
-              <a:defRPr sz="3200">
+              <a:buSzPts val="2800"/>
+              <a:buNone/>
+              <a:defRPr sz="2800">
                 <a:solidFill>
-                  <a:schemeClr val="lt1"/>
+                  <a:schemeClr val="dk1"/>
                 </a:solidFill>
-                <a:latin typeface="Roboto"/>
-                <a:ea typeface="Roboto"/>
-                <a:cs typeface="Roboto"/>
-                <a:sym typeface="Roboto"/>
               </a:defRPr>
             </a:lvl5pPr>
             <a:lvl6pPr lvl="5">
@@ -5582,19 +4730,14 @@
                 <a:spcPts val="0"/>
               </a:spcAft>
               <a:buClr>
-                <a:schemeClr val="lt1"/>
+                <a:schemeClr val="dk1"/>
               </a:buClr>
-              <a:buSzPts val="3200"/>
-              <a:buFont typeface="Roboto"/>
-              <a:buNone/>
-              <a:defRPr sz="3200">
+              <a:buSzPts val="2800"/>
+              <a:buNone/>
+              <a:defRPr sz="2800">
                 <a:solidFill>
-                  <a:schemeClr val="lt1"/>
+                  <a:schemeClr val="dk1"/>
                 </a:solidFill>
-                <a:latin typeface="Roboto"/>
-                <a:ea typeface="Roboto"/>
-                <a:cs typeface="Roboto"/>
-                <a:sym typeface="Roboto"/>
               </a:defRPr>
             </a:lvl6pPr>
             <a:lvl7pPr lvl="6">
@@ -5605,19 +4748,14 @@
                 <a:spcPts val="0"/>
               </a:spcAft>
               <a:buClr>
-                <a:schemeClr val="lt1"/>
+                <a:schemeClr val="dk1"/>
               </a:buClr>
-              <a:buSzPts val="3200"/>
-              <a:buFont typeface="Roboto"/>
-              <a:buNone/>
-              <a:defRPr sz="3200">
+              <a:buSzPts val="2800"/>
+              <a:buNone/>
+              <a:defRPr sz="2800">
                 <a:solidFill>
-                  <a:schemeClr val="lt1"/>
+                  <a:schemeClr val="dk1"/>
                 </a:solidFill>
-                <a:latin typeface="Roboto"/>
-                <a:ea typeface="Roboto"/>
-                <a:cs typeface="Roboto"/>
-                <a:sym typeface="Roboto"/>
               </a:defRPr>
             </a:lvl7pPr>
             <a:lvl8pPr lvl="7">
@@ -5628,19 +4766,14 @@
                 <a:spcPts val="0"/>
               </a:spcAft>
               <a:buClr>
-                <a:schemeClr val="lt1"/>
+                <a:schemeClr val="dk1"/>
               </a:buClr>
-              <a:buSzPts val="3200"/>
-              <a:buFont typeface="Roboto"/>
-              <a:buNone/>
-              <a:defRPr sz="3200">
+              <a:buSzPts val="2800"/>
+              <a:buNone/>
+              <a:defRPr sz="2800">
                 <a:solidFill>
-                  <a:schemeClr val="lt1"/>
+                  <a:schemeClr val="dk1"/>
                 </a:solidFill>
-                <a:latin typeface="Roboto"/>
-                <a:ea typeface="Roboto"/>
-                <a:cs typeface="Roboto"/>
-                <a:sym typeface="Roboto"/>
               </a:defRPr>
             </a:lvl8pPr>
             <a:lvl9pPr lvl="8">
@@ -5651,19 +4784,14 @@
                 <a:spcPts val="0"/>
               </a:spcAft>
               <a:buClr>
-                <a:schemeClr val="lt1"/>
+                <a:schemeClr val="dk1"/>
               </a:buClr>
-              <a:buSzPts val="3200"/>
-              <a:buFont typeface="Roboto"/>
-              <a:buNone/>
-              <a:defRPr sz="3200">
+              <a:buSzPts val="2800"/>
+              <a:buNone/>
+              <a:defRPr sz="2800">
                 <a:solidFill>
-                  <a:schemeClr val="lt1"/>
+                  <a:schemeClr val="dk1"/>
                 </a:solidFill>
-                <a:latin typeface="Roboto"/>
-                <a:ea typeface="Roboto"/>
-                <a:cs typeface="Roboto"/>
-                <a:sym typeface="Roboto"/>
               </a:defRPr>
             </a:lvl9pPr>
           </a:lstStyle>
@@ -5680,8 +4808,8 @@
         </p:nvSpPr>
         <p:spPr>
           <a:xfrm>
-            <a:off x="471900" y="1919075"/>
-            <a:ext cx="8222100" cy="2710200"/>
+            <a:off x="311700" y="1152475"/>
+            <a:ext cx="8520600" cy="3416400"/>
           </a:xfrm>
           <a:prstGeom prst="rect">
             <a:avLst/>
@@ -5707,19 +4835,14 @@
                 <a:spcPts val="0"/>
               </a:spcAft>
               <a:buClr>
-                <a:schemeClr val="lt2"/>
+                <a:schemeClr val="dk2"/>
               </a:buClr>
               <a:buSzPts val="1800"/>
-              <a:buFont typeface="Roboto"/>
               <a:buChar char="●"/>
               <a:defRPr sz="1800">
                 <a:solidFill>
-                  <a:schemeClr val="lt2"/>
+                  <a:schemeClr val="dk2"/>
                 </a:solidFill>
-                <a:latin typeface="Roboto"/>
-                <a:ea typeface="Roboto"/>
-                <a:cs typeface="Roboto"/>
-                <a:sym typeface="Roboto"/>
               </a:defRPr>
             </a:lvl1pPr>
             <a:lvl2pPr indent="-317500" lvl="1" marL="914400">
@@ -5733,19 +4856,14 @@
                 <a:spcPts val="0"/>
               </a:spcAft>
               <a:buClr>
-                <a:schemeClr val="lt2"/>
+                <a:schemeClr val="dk2"/>
               </a:buClr>
               <a:buSzPts val="1400"/>
-              <a:buFont typeface="Roboto"/>
               <a:buChar char="○"/>
               <a:defRPr>
                 <a:solidFill>
-                  <a:schemeClr val="lt2"/>
+                  <a:schemeClr val="dk2"/>
                 </a:solidFill>
-                <a:latin typeface="Roboto"/>
-                <a:ea typeface="Roboto"/>
-                <a:cs typeface="Roboto"/>
-                <a:sym typeface="Roboto"/>
               </a:defRPr>
             </a:lvl2pPr>
             <a:lvl3pPr indent="-317500" lvl="2" marL="1371600">
@@ -5759,19 +4877,14 @@
                 <a:spcPts val="0"/>
               </a:spcAft>
               <a:buClr>
-                <a:schemeClr val="lt2"/>
+                <a:schemeClr val="dk2"/>
               </a:buClr>
               <a:buSzPts val="1400"/>
-              <a:buFont typeface="Roboto"/>
               <a:buChar char="■"/>
               <a:defRPr>
                 <a:solidFill>
-                  <a:schemeClr val="lt2"/>
+                  <a:schemeClr val="dk2"/>
                 </a:solidFill>
-                <a:latin typeface="Roboto"/>
-                <a:ea typeface="Roboto"/>
-                <a:cs typeface="Roboto"/>
-                <a:sym typeface="Roboto"/>
               </a:defRPr>
             </a:lvl3pPr>
             <a:lvl4pPr indent="-317500" lvl="3" marL="1828800">
@@ -5785,19 +4898,14 @@
                 <a:spcPts val="0"/>
               </a:spcAft>
               <a:buClr>
-                <a:schemeClr val="lt2"/>
+                <a:schemeClr val="dk2"/>
               </a:buClr>
               <a:buSzPts val="1400"/>
-              <a:buFont typeface="Roboto"/>
               <a:buChar char="●"/>
               <a:defRPr>
                 <a:solidFill>
-                  <a:schemeClr val="lt2"/>
+                  <a:schemeClr val="dk2"/>
                 </a:solidFill>
-                <a:latin typeface="Roboto"/>
-                <a:ea typeface="Roboto"/>
-                <a:cs typeface="Roboto"/>
-                <a:sym typeface="Roboto"/>
               </a:defRPr>
             </a:lvl4pPr>
             <a:lvl5pPr indent="-317500" lvl="4" marL="2286000">
@@ -5811,19 +4919,14 @@
                 <a:spcPts val="0"/>
               </a:spcAft>
               <a:buClr>
-                <a:schemeClr val="lt2"/>
+                <a:schemeClr val="dk2"/>
               </a:buClr>
               <a:buSzPts val="1400"/>
-              <a:buFont typeface="Roboto"/>
               <a:buChar char="○"/>
               <a:defRPr>
                 <a:solidFill>
-                  <a:schemeClr val="lt2"/>
+                  <a:schemeClr val="dk2"/>
                 </a:solidFill>
-                <a:latin typeface="Roboto"/>
-                <a:ea typeface="Roboto"/>
-                <a:cs typeface="Roboto"/>
-                <a:sym typeface="Roboto"/>
               </a:defRPr>
             </a:lvl5pPr>
             <a:lvl6pPr indent="-317500" lvl="5" marL="2743200">
@@ -5837,19 +4940,14 @@
                 <a:spcPts val="0"/>
               </a:spcAft>
               <a:buClr>
-                <a:schemeClr val="lt2"/>
+                <a:schemeClr val="dk2"/>
               </a:buClr>
               <a:buSzPts val="1400"/>
-              <a:buFont typeface="Roboto"/>
               <a:buChar char="■"/>
               <a:defRPr>
                 <a:solidFill>
-                  <a:schemeClr val="lt2"/>
+                  <a:schemeClr val="dk2"/>
                 </a:solidFill>
-                <a:latin typeface="Roboto"/>
-                <a:ea typeface="Roboto"/>
-                <a:cs typeface="Roboto"/>
-                <a:sym typeface="Roboto"/>
               </a:defRPr>
             </a:lvl6pPr>
             <a:lvl7pPr indent="-317500" lvl="6" marL="3200400">
@@ -5863,19 +4961,14 @@
                 <a:spcPts val="0"/>
               </a:spcAft>
               <a:buClr>
-                <a:schemeClr val="lt2"/>
+                <a:schemeClr val="dk2"/>
               </a:buClr>
               <a:buSzPts val="1400"/>
-              <a:buFont typeface="Roboto"/>
               <a:buChar char="●"/>
               <a:defRPr>
                 <a:solidFill>
-                  <a:schemeClr val="lt2"/>
+                  <a:schemeClr val="dk2"/>
                 </a:solidFill>
-                <a:latin typeface="Roboto"/>
-                <a:ea typeface="Roboto"/>
-                <a:cs typeface="Roboto"/>
-                <a:sym typeface="Roboto"/>
               </a:defRPr>
             </a:lvl7pPr>
             <a:lvl8pPr indent="-317500" lvl="7" marL="3657600">
@@ -5889,19 +4982,14 @@
                 <a:spcPts val="0"/>
               </a:spcAft>
               <a:buClr>
-                <a:schemeClr val="lt2"/>
+                <a:schemeClr val="dk2"/>
               </a:buClr>
               <a:buSzPts val="1400"/>
-              <a:buFont typeface="Roboto"/>
               <a:buChar char="○"/>
               <a:defRPr>
                 <a:solidFill>
-                  <a:schemeClr val="lt2"/>
+                  <a:schemeClr val="dk2"/>
                 </a:solidFill>
-                <a:latin typeface="Roboto"/>
-                <a:ea typeface="Roboto"/>
-                <a:cs typeface="Roboto"/>
-                <a:sym typeface="Roboto"/>
               </a:defRPr>
             </a:lvl8pPr>
             <a:lvl9pPr indent="-317500" lvl="8" marL="4114800">
@@ -5915,19 +5003,14 @@
                 <a:spcPts val="0"/>
               </a:spcAft>
               <a:buClr>
-                <a:schemeClr val="lt2"/>
+                <a:schemeClr val="dk2"/>
               </a:buClr>
               <a:buSzPts val="1400"/>
-              <a:buFont typeface="Roboto"/>
               <a:buChar char="■"/>
               <a:defRPr>
                 <a:solidFill>
-                  <a:schemeClr val="lt2"/>
+                  <a:schemeClr val="dk2"/>
                 </a:solidFill>
-                <a:latin typeface="Roboto"/>
-                <a:ea typeface="Roboto"/>
-                <a:cs typeface="Roboto"/>
-                <a:sym typeface="Roboto"/>
               </a:defRPr>
             </a:lvl9pPr>
           </a:lstStyle>
@@ -5944,7 +5027,7 @@
         </p:nvSpPr>
         <p:spPr>
           <a:xfrm>
-            <a:off x="8523541" y="4695623"/>
+            <a:off x="8472458" y="4663217"/>
             <a:ext cx="548700" cy="393600"/>
           </a:xfrm>
           <a:prstGeom prst="rect">
@@ -5964,108 +5047,72 @@
               <a:buNone/>
               <a:defRPr sz="1000">
                 <a:solidFill>
-                  <a:schemeClr val="lt2"/>
+                  <a:schemeClr val="dk2"/>
                 </a:solidFill>
-                <a:latin typeface="Roboto"/>
-                <a:ea typeface="Roboto"/>
-                <a:cs typeface="Roboto"/>
-                <a:sym typeface="Roboto"/>
               </a:defRPr>
             </a:lvl1pPr>
             <a:lvl2pPr lvl="1" algn="r">
               <a:buNone/>
               <a:defRPr sz="1000">
                 <a:solidFill>
-                  <a:schemeClr val="lt2"/>
+                  <a:schemeClr val="dk2"/>
                 </a:solidFill>
-                <a:latin typeface="Roboto"/>
-                <a:ea typeface="Roboto"/>
-                <a:cs typeface="Roboto"/>
-                <a:sym typeface="Roboto"/>
               </a:defRPr>
             </a:lvl2pPr>
             <a:lvl3pPr lvl="2" algn="r">
               <a:buNone/>
               <a:defRPr sz="1000">
                 <a:solidFill>
-                  <a:schemeClr val="lt2"/>
+                  <a:schemeClr val="dk2"/>
                 </a:solidFill>
-                <a:latin typeface="Roboto"/>
-                <a:ea typeface="Roboto"/>
-                <a:cs typeface="Roboto"/>
-                <a:sym typeface="Roboto"/>
               </a:defRPr>
             </a:lvl3pPr>
             <a:lvl4pPr lvl="3" algn="r">
               <a:buNone/>
               <a:defRPr sz="1000">
                 <a:solidFill>
-                  <a:schemeClr val="lt2"/>
+                  <a:schemeClr val="dk2"/>
                 </a:solidFill>
-                <a:latin typeface="Roboto"/>
-                <a:ea typeface="Roboto"/>
-                <a:cs typeface="Roboto"/>
-                <a:sym typeface="Roboto"/>
               </a:defRPr>
             </a:lvl4pPr>
             <a:lvl5pPr lvl="4" algn="r">
               <a:buNone/>
               <a:defRPr sz="1000">
                 <a:solidFill>
-                  <a:schemeClr val="lt2"/>
+                  <a:schemeClr val="dk2"/>
                 </a:solidFill>
-                <a:latin typeface="Roboto"/>
-                <a:ea typeface="Roboto"/>
-                <a:cs typeface="Roboto"/>
-                <a:sym typeface="Roboto"/>
               </a:defRPr>
             </a:lvl5pPr>
             <a:lvl6pPr lvl="5" algn="r">
               <a:buNone/>
               <a:defRPr sz="1000">
                 <a:solidFill>
-                  <a:schemeClr val="lt2"/>
+                  <a:schemeClr val="dk2"/>
                 </a:solidFill>
-                <a:latin typeface="Roboto"/>
-                <a:ea typeface="Roboto"/>
-                <a:cs typeface="Roboto"/>
-                <a:sym typeface="Roboto"/>
               </a:defRPr>
             </a:lvl6pPr>
             <a:lvl7pPr lvl="6" algn="r">
               <a:buNone/>
               <a:defRPr sz="1000">
                 <a:solidFill>
-                  <a:schemeClr val="lt2"/>
+                  <a:schemeClr val="dk2"/>
                 </a:solidFill>
-                <a:latin typeface="Roboto"/>
-                <a:ea typeface="Roboto"/>
-                <a:cs typeface="Roboto"/>
-                <a:sym typeface="Roboto"/>
               </a:defRPr>
             </a:lvl7pPr>
             <a:lvl8pPr lvl="7" algn="r">
               <a:buNone/>
               <a:defRPr sz="1000">
                 <a:solidFill>
-                  <a:schemeClr val="lt2"/>
+                  <a:schemeClr val="dk2"/>
                 </a:solidFill>
-                <a:latin typeface="Roboto"/>
-                <a:ea typeface="Roboto"/>
-                <a:cs typeface="Roboto"/>
-                <a:sym typeface="Roboto"/>
               </a:defRPr>
             </a:lvl8pPr>
             <a:lvl9pPr lvl="8" algn="r">
               <a:buNone/>
               <a:defRPr sz="1000">
                 <a:solidFill>
-                  <a:schemeClr val="lt2"/>
+                  <a:schemeClr val="dk2"/>
                 </a:solidFill>
-                <a:latin typeface="Roboto"/>
-                <a:ea typeface="Roboto"/>
-                <a:cs typeface="Roboto"/>
-                <a:sym typeface="Roboto"/>
               </a:defRPr>
             </a:lvl9pPr>
           </a:lstStyle>
@@ -6799,9 +5846,16 @@
 <file path=ppt/slides/slide1.xml><?xml version="1.0" encoding="utf-8"?>
 <p:sld xmlns:a="http://schemas.openxmlformats.org/drawingml/2006/main" xmlns:r="http://schemas.openxmlformats.org/officeDocument/2006/relationships" xmlns:mc="http://schemas.openxmlformats.org/markup-compatibility/2006" xmlns:mv="urn:schemas-microsoft-com:mac:vml" xmlns:p="http://schemas.openxmlformats.org/presentationml/2006/main" xmlns:c="http://schemas.openxmlformats.org/drawingml/2006/chart" xmlns:dgm="http://schemas.openxmlformats.org/drawingml/2006/diagram" xmlns:o="urn:schemas-microsoft-com:office:office" xmlns:v="urn:schemas-microsoft-com:vml" xmlns:pvml="urn:schemas-microsoft-com:office:powerpoint" xmlns:com="http://schemas.openxmlformats.org/drawingml/2006/compatibility" xmlns:p14="http://schemas.microsoft.com/office/powerpoint/2010/main" xmlns:p15="http://schemas.microsoft.com/office/powerpoint/2012/main" xmlns:ahyp="http://schemas.microsoft.com/office/drawing/2018/hyperlinkcolor">
   <p:cSld>
+    <p:bg>
+      <p:bgPr>
+        <a:solidFill>
+          <a:srgbClr val="B3CF38"/>
+        </a:solidFill>
+      </p:bgPr>
+    </p:bg>
     <p:spTree>
       <p:nvGrpSpPr>
-        <p:cNvPr id="66" name="Shape 66"/>
+        <p:cNvPr id="53" name="Shape 53"/>
         <p:cNvGrpSpPr/>
         <p:nvPr/>
       </p:nvGrpSpPr>
@@ -6813,62 +5867,46 @@
           <a:chExt cx="0" cy="0"/>
         </a:xfrm>
       </p:grpSpPr>
+      <p:pic>
+        <p:nvPicPr>
+          <p:cNvPr id="54" name="Google Shape;54;p13"/>
+          <p:cNvPicPr preferRelativeResize="0"/>
+          <p:nvPr/>
+        </p:nvPicPr>
+        <p:blipFill>
+          <a:blip r:embed="rId3">
+            <a:alphaModFix/>
+          </a:blip>
+          <a:stretch>
+            <a:fillRect/>
+          </a:stretch>
+        </p:blipFill>
+        <p:spPr>
+          <a:xfrm>
+            <a:off x="1033751" y="1032399"/>
+            <a:ext cx="7076500" cy="3078699"/>
+          </a:xfrm>
+          <a:prstGeom prst="rect">
+            <a:avLst/>
+          </a:prstGeom>
+          <a:noFill/>
+          <a:ln>
+            <a:noFill/>
+          </a:ln>
+        </p:spPr>
+      </p:pic>
       <p:sp>
         <p:nvSpPr>
-          <p:cNvPr id="67" name="Google Shape;67;p13"/>
+          <p:cNvPr id="55" name="Google Shape;55;p13"/>
           <p:cNvSpPr txBox="1"/>
           <p:nvPr>
-            <p:ph type="ctrTitle"/>
+            <p:ph idx="4294967295" type="title"/>
           </p:nvPr>
         </p:nvSpPr>
         <p:spPr>
           <a:xfrm>
-            <a:off x="390525" y="1819275"/>
-            <a:ext cx="8222100" cy="933600"/>
-          </a:xfrm>
-          <a:prstGeom prst="rect">
-            <a:avLst/>
-          </a:prstGeom>
-        </p:spPr>
-        <p:txBody>
-          <a:bodyPr anchorCtr="0" anchor="b" bIns="91425" lIns="91425" spcFirstLastPara="1" rIns="91425" wrap="square" tIns="91425">
-            <a:normAutofit/>
-          </a:bodyPr>
-          <a:lstStyle/>
-          <a:p>
-            <a:pPr indent="0" lvl="0" marL="0" rtl="0" algn="l">
-              <a:spcBef>
-                <a:spcPts val="0"/>
-              </a:spcBef>
-              <a:spcAft>
-                <a:spcPts val="0"/>
-              </a:spcAft>
-              <a:buNone/>
-            </a:pPr>
-            <a:r>
-              <a:rPr lang="en-GB"/>
-              <a:t>First foundatio</a:t>
-            </a:r>
-            <a:r>
-              <a:rPr lang="en-GB"/>
-              <a:t>n</a:t>
-            </a:r>
-            <a:endParaRPr/>
-          </a:p>
-        </p:txBody>
-      </p:sp>
-      <p:sp>
-        <p:nvSpPr>
-          <p:cNvPr id="68" name="Google Shape;68;p13"/>
-          <p:cNvSpPr txBox="1"/>
-          <p:nvPr>
-            <p:ph idx="1" type="subTitle"/>
-          </p:nvPr>
-        </p:nvSpPr>
-        <p:spPr>
-          <a:xfrm>
-            <a:off x="390525" y="2789130"/>
-            <a:ext cx="8222100" cy="432900"/>
+            <a:off x="1226400" y="4063250"/>
+            <a:ext cx="6691200" cy="572700"/>
           </a:xfrm>
           <a:prstGeom prst="rect">
             <a:avLst/>
@@ -6876,23 +5914,41 @@
         </p:spPr>
         <p:txBody>
           <a:bodyPr anchorCtr="0" anchor="t" bIns="91425" lIns="91425" spcFirstLastPara="1" rIns="91425" wrap="square" tIns="91425">
-            <a:normAutofit lnSpcReduction="10000"/>
+            <a:normAutofit/>
           </a:bodyPr>
           <a:lstStyle/>
           <a:p>
-            <a:pPr indent="0" lvl="0" marL="0" rtl="0" algn="l">
-              <a:spcBef>
-                <a:spcPts val="0"/>
-              </a:spcBef>
-              <a:spcAft>
-                <a:spcPts val="0"/>
-              </a:spcAft>
+            <a:pPr indent="0" lvl="0" marL="0" rtl="0" algn="ctr">
+              <a:spcBef>
+                <a:spcPts val="0"/>
+              </a:spcBef>
+              <a:spcAft>
+                <a:spcPts val="0"/>
+              </a:spcAft>
+              <a:buSzPts val="990"/>
               <a:buNone/>
             </a:pPr>
             <a:r>
-              <a:t/>
+              <a:rPr b="1" lang="en-GB" sz="1920">
+                <a:solidFill>
+                  <a:schemeClr val="lt1"/>
+                </a:solidFill>
+                <a:latin typeface="Poppins"/>
+                <a:ea typeface="Poppins"/>
+                <a:cs typeface="Poppins"/>
+                <a:sym typeface="Poppins"/>
+              </a:rPr>
+              <a:t>[example slide deck for our advocates]</a:t>
             </a:r>
-            <a:endParaRPr/>
+            <a:endParaRPr b="1" sz="1920">
+              <a:solidFill>
+                <a:schemeClr val="lt1"/>
+              </a:solidFill>
+              <a:latin typeface="Poppins"/>
+              <a:ea typeface="Poppins"/>
+              <a:cs typeface="Poppins"/>
+              <a:sym typeface="Poppins"/>
+            </a:endParaRPr>
           </a:p>
         </p:txBody>
       </p:sp>
@@ -6907,9 +5963,16 @@
 <file path=ppt/slides/slide2.xml><?xml version="1.0" encoding="utf-8"?>
 <p:sld xmlns:a="http://schemas.openxmlformats.org/drawingml/2006/main" xmlns:r="http://schemas.openxmlformats.org/officeDocument/2006/relationships" xmlns:mc="http://schemas.openxmlformats.org/markup-compatibility/2006" xmlns:mv="urn:schemas-microsoft-com:mac:vml" xmlns:p="http://schemas.openxmlformats.org/presentationml/2006/main" xmlns:c="http://schemas.openxmlformats.org/drawingml/2006/chart" xmlns:dgm="http://schemas.openxmlformats.org/drawingml/2006/diagram" xmlns:o="urn:schemas-microsoft-com:office:office" xmlns:v="urn:schemas-microsoft-com:vml" xmlns:pvml="urn:schemas-microsoft-com:office:powerpoint" xmlns:com="http://schemas.openxmlformats.org/drawingml/2006/compatibility" xmlns:p14="http://schemas.microsoft.com/office/powerpoint/2010/main" xmlns:p15="http://schemas.microsoft.com/office/powerpoint/2012/main" xmlns:ahyp="http://schemas.microsoft.com/office/drawing/2018/hyperlinkcolor">
   <p:cSld>
+    <p:bg>
+      <p:bgPr>
+        <a:solidFill>
+          <a:schemeClr val="dk1"/>
+        </a:solidFill>
+      </p:bgPr>
+    </p:bg>
     <p:spTree>
       <p:nvGrpSpPr>
-        <p:cNvPr id="72" name="Shape 72"/>
+        <p:cNvPr id="59" name="Shape 59"/>
         <p:cNvGrpSpPr/>
         <p:nvPr/>
       </p:nvGrpSpPr>
@@ -6923,7 +5986,145 @@
       </p:grpSpPr>
       <p:pic>
         <p:nvPicPr>
-          <p:cNvPr id="73" name="Google Shape;73;p14"/>
+          <p:cNvPr id="60" name="Google Shape;60;p14" title="leni_leota_-_village_impact (540p).mp4">
+            <a:hlinkClick r:id="rId3"/>
+          </p:cNvPr>
+          <p:cNvPicPr preferRelativeResize="0"/>
+          <p:nvPr/>
+        </p:nvPicPr>
+        <p:blipFill>
+          <a:blip r:embed="rId4">
+            <a:alphaModFix/>
+          </a:blip>
+          <a:stretch>
+            <a:fillRect/>
+          </a:stretch>
+        </p:blipFill>
+        <p:spPr>
+          <a:xfrm>
+            <a:off x="1143001" y="0"/>
+            <a:ext cx="6858008" cy="5143500"/>
+          </a:xfrm>
+          <a:prstGeom prst="rect">
+            <a:avLst/>
+          </a:prstGeom>
+          <a:noFill/>
+          <a:ln>
+            <a:noFill/>
+          </a:ln>
+        </p:spPr>
+      </p:pic>
+    </p:spTree>
+  </p:cSld>
+  <p:clrMapOvr>
+    <a:masterClrMapping/>
+  </p:clrMapOvr>
+  <p:timing>
+    <p:tnLst>
+      <p:par>
+        <p:cTn dur="indefinite" nodeType="tmRoot" restart="never">
+          <p:childTnLst>
+            <p:seq concurrent="1" nextAc="seek">
+              <p:cTn dur="indefinite" id="2" nodeType="mainSeq">
+                <p:childTnLst>
+                  <p:par>
+                    <p:cTn fill="hold">
+                      <p:stCondLst>
+                        <p:cond delay="indefinite"/>
+                      </p:stCondLst>
+                      <p:childTnLst>
+                        <p:par>
+                          <p:cTn fill="hold">
+                            <p:stCondLst>
+                              <p:cond delay="0"/>
+                            </p:stCondLst>
+                            <p:childTnLst>
+                              <p:par>
+                                <p:cTn fill="hold" nodeType="clickEffect" presetClass="entr" presetID="10" presetSubtype="0">
+                                  <p:stCondLst>
+                                    <p:cond delay="0"/>
+                                  </p:stCondLst>
+                                  <p:childTnLst>
+                                    <p:set>
+                                      <p:cBhvr>
+                                        <p:cTn dur="1" fill="hold">
+                                          <p:stCondLst>
+                                            <p:cond delay="0"/>
+                                          </p:stCondLst>
+                                        </p:cTn>
+                                        <p:tgtEl>
+                                          <p:spTgt spid="60"/>
+                                        </p:tgtEl>
+                                        <p:attrNameLst>
+                                          <p:attrName>style.visibility</p:attrName>
+                                        </p:attrNameLst>
+                                      </p:cBhvr>
+                                      <p:to>
+                                        <p:strVal val="visible"/>
+                                      </p:to>
+                                    </p:set>
+                                    <p:animEffect filter="fade" transition="in">
+                                      <p:cBhvr>
+                                        <p:cTn dur="1000"/>
+                                        <p:tgtEl>
+                                          <p:spTgt spid="60"/>
+                                        </p:tgtEl>
+                                      </p:cBhvr>
+                                    </p:animEffect>
+                                  </p:childTnLst>
+                                </p:cTn>
+                              </p:par>
+                            </p:childTnLst>
+                          </p:cTn>
+                        </p:par>
+                      </p:childTnLst>
+                    </p:cTn>
+                  </p:par>
+                </p:childTnLst>
+              </p:cTn>
+              <p:prevCondLst>
+                <p:cond evt="onPrev">
+                  <p:tgtEl>
+                    <p:sldTgt/>
+                  </p:tgtEl>
+                </p:cond>
+              </p:prevCondLst>
+              <p:nextCondLst>
+                <p:cond evt="onNext">
+                  <p:tgtEl>
+                    <p:sldTgt/>
+                  </p:tgtEl>
+                </p:cond>
+              </p:nextCondLst>
+            </p:seq>
+          </p:childTnLst>
+        </p:cTn>
+      </p:par>
+    </p:tnLst>
+  </p:timing>
+</p:sld>
+</file>
+
+<file path=ppt/slides/slide3.xml><?xml version="1.0" encoding="utf-8"?>
+<p:sld xmlns:a="http://schemas.openxmlformats.org/drawingml/2006/main" xmlns:r="http://schemas.openxmlformats.org/officeDocument/2006/relationships" xmlns:mc="http://schemas.openxmlformats.org/markup-compatibility/2006" xmlns:mv="urn:schemas-microsoft-com:mac:vml" xmlns:p="http://schemas.openxmlformats.org/presentationml/2006/main" xmlns:c="http://schemas.openxmlformats.org/drawingml/2006/chart" xmlns:dgm="http://schemas.openxmlformats.org/drawingml/2006/diagram" xmlns:o="urn:schemas-microsoft-com:office:office" xmlns:v="urn:schemas-microsoft-com:vml" xmlns:pvml="urn:schemas-microsoft-com:office:powerpoint" xmlns:com="http://schemas.openxmlformats.org/drawingml/2006/compatibility" xmlns:p14="http://schemas.microsoft.com/office/powerpoint/2010/main" xmlns:p15="http://schemas.microsoft.com/office/powerpoint/2012/main" xmlns:ahyp="http://schemas.microsoft.com/office/drawing/2018/hyperlinkcolor">
+  <p:cSld>
+    <p:spTree>
+      <p:nvGrpSpPr>
+        <p:cNvPr id="64" name="Shape 64"/>
+        <p:cNvGrpSpPr/>
+        <p:nvPr/>
+      </p:nvGrpSpPr>
+      <p:grpSpPr>
+        <a:xfrm>
+          <a:off x="0" y="0"/>
+          <a:ext cx="0" cy="0"/>
+          <a:chOff x="0" y="0"/>
+          <a:chExt cx="0" cy="0"/>
+        </a:xfrm>
+      </p:grpSpPr>
+      <p:pic>
+        <p:nvPicPr>
+          <p:cNvPr id="65" name="Google Shape;65;p15"/>
           <p:cNvPicPr preferRelativeResize="0"/>
           <p:nvPr/>
         </p:nvPicPr>
@@ -6957,45 +6158,560 @@
 </p:sld>
 </file>
 
+<file path=ppt/slides/slide4.xml><?xml version="1.0" encoding="utf-8"?>
+<p:sld xmlns:a="http://schemas.openxmlformats.org/drawingml/2006/main" xmlns:r="http://schemas.openxmlformats.org/officeDocument/2006/relationships" xmlns:mc="http://schemas.openxmlformats.org/markup-compatibility/2006" xmlns:mv="urn:schemas-microsoft-com:mac:vml" xmlns:p="http://schemas.openxmlformats.org/presentationml/2006/main" xmlns:c="http://schemas.openxmlformats.org/drawingml/2006/chart" xmlns:dgm="http://schemas.openxmlformats.org/drawingml/2006/diagram" xmlns:o="urn:schemas-microsoft-com:office:office" xmlns:v="urn:schemas-microsoft-com:vml" xmlns:pvml="urn:schemas-microsoft-com:office:powerpoint" xmlns:com="http://schemas.openxmlformats.org/drawingml/2006/compatibility" xmlns:p14="http://schemas.microsoft.com/office/powerpoint/2010/main" xmlns:p15="http://schemas.microsoft.com/office/powerpoint/2012/main" xmlns:ahyp="http://schemas.microsoft.com/office/drawing/2018/hyperlinkcolor">
+  <p:cSld>
+    <p:bg>
+      <p:bgPr>
+        <a:solidFill>
+          <a:srgbClr val="B3CF38"/>
+        </a:solidFill>
+      </p:bgPr>
+    </p:bg>
+    <p:spTree>
+      <p:nvGrpSpPr>
+        <p:cNvPr id="69" name="Shape 69"/>
+        <p:cNvGrpSpPr/>
+        <p:nvPr/>
+      </p:nvGrpSpPr>
+      <p:grpSpPr>
+        <a:xfrm>
+          <a:off x="0" y="0"/>
+          <a:ext cx="0" cy="0"/>
+          <a:chOff x="0" y="0"/>
+          <a:chExt cx="0" cy="0"/>
+        </a:xfrm>
+      </p:grpSpPr>
+      <p:sp>
+        <p:nvSpPr>
+          <p:cNvPr id="70" name="Google Shape;70;p16"/>
+          <p:cNvSpPr txBox="1"/>
+          <p:nvPr>
+            <p:ph type="title"/>
+          </p:nvPr>
+        </p:nvSpPr>
+        <p:spPr>
+          <a:xfrm>
+            <a:off x="311700" y="445025"/>
+            <a:ext cx="8520600" cy="572700"/>
+          </a:xfrm>
+          <a:prstGeom prst="rect">
+            <a:avLst/>
+          </a:prstGeom>
+        </p:spPr>
+        <p:txBody>
+          <a:bodyPr anchorCtr="0" anchor="t" bIns="91425" lIns="91425" spcFirstLastPara="1" rIns="91425" wrap="square" tIns="91425">
+            <a:normAutofit fontScale="90000"/>
+          </a:bodyPr>
+          <a:lstStyle/>
+          <a:p>
+            <a:pPr indent="0" lvl="0" marL="0" rtl="0" algn="l">
+              <a:spcBef>
+                <a:spcPts val="0"/>
+              </a:spcBef>
+              <a:spcAft>
+                <a:spcPts val="0"/>
+              </a:spcAft>
+              <a:buNone/>
+            </a:pPr>
+            <a:r>
+              <a:rPr b="1" lang="en-GB">
+                <a:solidFill>
+                  <a:schemeClr val="lt1"/>
+                </a:solidFill>
+                <a:latin typeface="Poppins"/>
+                <a:ea typeface="Poppins"/>
+                <a:cs typeface="Poppins"/>
+                <a:sym typeface="Poppins"/>
+              </a:rPr>
+              <a:t>Benefits for you</a:t>
+            </a:r>
+            <a:endParaRPr b="1">
+              <a:solidFill>
+                <a:schemeClr val="lt1"/>
+              </a:solidFill>
+              <a:latin typeface="Poppins"/>
+              <a:ea typeface="Poppins"/>
+              <a:cs typeface="Poppins"/>
+              <a:sym typeface="Poppins"/>
+            </a:endParaRPr>
+          </a:p>
+        </p:txBody>
+      </p:sp>
+      <p:sp>
+        <p:nvSpPr>
+          <p:cNvPr id="71" name="Google Shape;71;p16"/>
+          <p:cNvSpPr txBox="1"/>
+          <p:nvPr>
+            <p:ph idx="1" type="body"/>
+          </p:nvPr>
+        </p:nvSpPr>
+        <p:spPr>
+          <a:xfrm>
+            <a:off x="311700" y="1152475"/>
+            <a:ext cx="8520600" cy="3416400"/>
+          </a:xfrm>
+          <a:prstGeom prst="rect">
+            <a:avLst/>
+          </a:prstGeom>
+        </p:spPr>
+        <p:txBody>
+          <a:bodyPr anchorCtr="0" anchor="t" bIns="91425" lIns="91425" spcFirstLastPara="1" rIns="91425" wrap="square" tIns="91425">
+            <a:normAutofit/>
+          </a:bodyPr>
+          <a:lstStyle/>
+          <a:p>
+            <a:pPr indent="-355600" lvl="0" marL="457200" rtl="0" algn="l">
+              <a:lnSpc>
+                <a:spcPct val="100000"/>
+              </a:lnSpc>
+              <a:spcBef>
+                <a:spcPts val="1000"/>
+              </a:spcBef>
+              <a:spcAft>
+                <a:spcPts val="0"/>
+              </a:spcAft>
+              <a:buClr>
+                <a:schemeClr val="lt1"/>
+              </a:buClr>
+              <a:buSzPts val="2000"/>
+              <a:buFont typeface="Poppins"/>
+              <a:buChar char="●"/>
+            </a:pPr>
+            <a:r>
+              <a:rPr lang="en-GB" sz="2000">
+                <a:solidFill>
+                  <a:schemeClr val="lt1"/>
+                </a:solidFill>
+                <a:latin typeface="Poppins"/>
+                <a:ea typeface="Poppins"/>
+                <a:cs typeface="Poppins"/>
+                <a:sym typeface="Poppins"/>
+              </a:rPr>
+              <a:t>Bring some diversity to workplace</a:t>
+            </a:r>
+            <a:endParaRPr sz="2000">
+              <a:solidFill>
+                <a:schemeClr val="lt1"/>
+              </a:solidFill>
+              <a:latin typeface="Poppins"/>
+              <a:ea typeface="Poppins"/>
+              <a:cs typeface="Poppins"/>
+              <a:sym typeface="Poppins"/>
+            </a:endParaRPr>
+          </a:p>
+          <a:p>
+            <a:pPr indent="-355600" lvl="0" marL="457200" rtl="0" algn="l">
+              <a:lnSpc>
+                <a:spcPct val="100000"/>
+              </a:lnSpc>
+              <a:spcBef>
+                <a:spcPts val="1200"/>
+              </a:spcBef>
+              <a:spcAft>
+                <a:spcPts val="0"/>
+              </a:spcAft>
+              <a:buClr>
+                <a:schemeClr val="lt1"/>
+              </a:buClr>
+              <a:buSzPts val="2000"/>
+              <a:buFont typeface="Poppins"/>
+              <a:buChar char="●"/>
+            </a:pPr>
+            <a:r>
+              <a:rPr lang="en-GB" sz="2000">
+                <a:solidFill>
+                  <a:schemeClr val="lt1"/>
+                </a:solidFill>
+                <a:latin typeface="Poppins"/>
+                <a:ea typeface="Poppins"/>
+                <a:cs typeface="Poppins"/>
+                <a:sym typeface="Poppins"/>
+              </a:rPr>
+              <a:t>Potential talent pool for graduate recruitment</a:t>
+            </a:r>
+            <a:endParaRPr sz="2000">
+              <a:solidFill>
+                <a:schemeClr val="lt1"/>
+              </a:solidFill>
+              <a:latin typeface="Poppins"/>
+              <a:ea typeface="Poppins"/>
+              <a:cs typeface="Poppins"/>
+              <a:sym typeface="Poppins"/>
+            </a:endParaRPr>
+          </a:p>
+          <a:p>
+            <a:pPr indent="-355600" lvl="0" marL="457200" rtl="0" algn="l">
+              <a:lnSpc>
+                <a:spcPct val="100000"/>
+              </a:lnSpc>
+              <a:spcBef>
+                <a:spcPts val="1200"/>
+              </a:spcBef>
+              <a:spcAft>
+                <a:spcPts val="0"/>
+              </a:spcAft>
+              <a:buClr>
+                <a:schemeClr val="lt1"/>
+              </a:buClr>
+              <a:buSzPts val="2000"/>
+              <a:buFont typeface="Poppins"/>
+              <a:buChar char="●"/>
+            </a:pPr>
+            <a:r>
+              <a:rPr lang="en-GB" sz="2000">
+                <a:solidFill>
+                  <a:schemeClr val="lt1"/>
+                </a:solidFill>
+                <a:latin typeface="Poppins"/>
+                <a:ea typeface="Poppins"/>
+                <a:cs typeface="Poppins"/>
+                <a:sym typeface="Poppins"/>
+              </a:rPr>
+              <a:t>Support for Corporate Responsibility Strategy.</a:t>
+            </a:r>
+            <a:endParaRPr sz="2000">
+              <a:solidFill>
+                <a:schemeClr val="lt1"/>
+              </a:solidFill>
+              <a:latin typeface="Poppins"/>
+              <a:ea typeface="Poppins"/>
+              <a:cs typeface="Poppins"/>
+              <a:sym typeface="Poppins"/>
+            </a:endParaRPr>
+          </a:p>
+          <a:p>
+            <a:pPr indent="-355600" lvl="0" marL="457200" rtl="0" algn="l">
+              <a:lnSpc>
+                <a:spcPct val="100000"/>
+              </a:lnSpc>
+              <a:spcBef>
+                <a:spcPts val="1200"/>
+              </a:spcBef>
+              <a:spcAft>
+                <a:spcPts val="1200"/>
+              </a:spcAft>
+              <a:buClr>
+                <a:schemeClr val="lt1"/>
+              </a:buClr>
+              <a:buSzPts val="2000"/>
+              <a:buFont typeface="Poppins"/>
+              <a:buChar char="●"/>
+            </a:pPr>
+            <a:r>
+              <a:rPr lang="en-GB" sz="2000">
+                <a:solidFill>
+                  <a:schemeClr val="lt1"/>
+                </a:solidFill>
+                <a:latin typeface="Poppins"/>
+                <a:ea typeface="Poppins"/>
+                <a:cs typeface="Poppins"/>
+                <a:sym typeface="Poppins"/>
+              </a:rPr>
+              <a:t>And more…</a:t>
+            </a:r>
+            <a:endParaRPr sz="2000">
+              <a:solidFill>
+                <a:schemeClr val="lt1"/>
+              </a:solidFill>
+              <a:latin typeface="Poppins"/>
+              <a:ea typeface="Poppins"/>
+              <a:cs typeface="Poppins"/>
+              <a:sym typeface="Poppins"/>
+            </a:endParaRPr>
+          </a:p>
+        </p:txBody>
+      </p:sp>
+    </p:spTree>
+  </p:cSld>
+  <p:clrMapOvr>
+    <a:masterClrMapping/>
+  </p:clrMapOvr>
+</p:sld>
+</file>
+
+<file path=ppt/slides/slide5.xml><?xml version="1.0" encoding="utf-8"?>
+<p:sld xmlns:a="http://schemas.openxmlformats.org/drawingml/2006/main" xmlns:r="http://schemas.openxmlformats.org/officeDocument/2006/relationships" xmlns:mc="http://schemas.openxmlformats.org/markup-compatibility/2006" xmlns:mv="urn:schemas-microsoft-com:mac:vml" xmlns:p="http://schemas.openxmlformats.org/presentationml/2006/main" xmlns:c="http://schemas.openxmlformats.org/drawingml/2006/chart" xmlns:dgm="http://schemas.openxmlformats.org/drawingml/2006/diagram" xmlns:o="urn:schemas-microsoft-com:office:office" xmlns:v="urn:schemas-microsoft-com:vml" xmlns:pvml="urn:schemas-microsoft-com:office:powerpoint" xmlns:com="http://schemas.openxmlformats.org/drawingml/2006/compatibility" xmlns:p14="http://schemas.microsoft.com/office/powerpoint/2010/main" xmlns:p15="http://schemas.microsoft.com/office/powerpoint/2012/main" xmlns:ahyp="http://schemas.microsoft.com/office/drawing/2018/hyperlinkcolor">
+  <p:cSld>
+    <p:bg>
+      <p:bgPr>
+        <a:solidFill>
+          <a:srgbClr val="B3CF38"/>
+        </a:solidFill>
+      </p:bgPr>
+    </p:bg>
+    <p:spTree>
+      <p:nvGrpSpPr>
+        <p:cNvPr id="75" name="Shape 75"/>
+        <p:cNvGrpSpPr/>
+        <p:nvPr/>
+      </p:nvGrpSpPr>
+      <p:grpSpPr>
+        <a:xfrm>
+          <a:off x="0" y="0"/>
+          <a:ext cx="0" cy="0"/>
+          <a:chOff x="0" y="0"/>
+          <a:chExt cx="0" cy="0"/>
+        </a:xfrm>
+      </p:grpSpPr>
+      <p:sp>
+        <p:nvSpPr>
+          <p:cNvPr id="76" name="Google Shape;76;p17"/>
+          <p:cNvSpPr txBox="1"/>
+          <p:nvPr>
+            <p:ph type="title"/>
+          </p:nvPr>
+        </p:nvSpPr>
+        <p:spPr>
+          <a:xfrm>
+            <a:off x="311700" y="445025"/>
+            <a:ext cx="8520600" cy="572700"/>
+          </a:xfrm>
+          <a:prstGeom prst="rect">
+            <a:avLst/>
+          </a:prstGeom>
+        </p:spPr>
+        <p:txBody>
+          <a:bodyPr anchorCtr="0" anchor="t" bIns="91425" lIns="91425" spcFirstLastPara="1" rIns="91425" wrap="square" tIns="91425">
+            <a:normAutofit fontScale="90000"/>
+          </a:bodyPr>
+          <a:lstStyle/>
+          <a:p>
+            <a:pPr indent="0" lvl="0" marL="0" rtl="0" algn="l">
+              <a:spcBef>
+                <a:spcPts val="0"/>
+              </a:spcBef>
+              <a:spcAft>
+                <a:spcPts val="0"/>
+              </a:spcAft>
+              <a:buNone/>
+            </a:pPr>
+            <a:r>
+              <a:rPr b="1" lang="en-GB">
+                <a:solidFill>
+                  <a:schemeClr val="lt1"/>
+                </a:solidFill>
+                <a:latin typeface="Poppins"/>
+                <a:ea typeface="Poppins"/>
+                <a:cs typeface="Poppins"/>
+                <a:sym typeface="Poppins"/>
+              </a:rPr>
+              <a:t>Your commitment</a:t>
+            </a:r>
+            <a:endParaRPr b="1">
+              <a:solidFill>
+                <a:schemeClr val="lt1"/>
+              </a:solidFill>
+              <a:latin typeface="Poppins"/>
+              <a:ea typeface="Poppins"/>
+              <a:cs typeface="Poppins"/>
+              <a:sym typeface="Poppins"/>
+            </a:endParaRPr>
+          </a:p>
+        </p:txBody>
+      </p:sp>
+      <p:sp>
+        <p:nvSpPr>
+          <p:cNvPr id="77" name="Google Shape;77;p17"/>
+          <p:cNvSpPr txBox="1"/>
+          <p:nvPr>
+            <p:ph idx="1" type="body"/>
+          </p:nvPr>
+        </p:nvSpPr>
+        <p:spPr>
+          <a:xfrm>
+            <a:off x="311700" y="1152475"/>
+            <a:ext cx="8520600" cy="3416400"/>
+          </a:xfrm>
+          <a:prstGeom prst="rect">
+            <a:avLst/>
+          </a:prstGeom>
+        </p:spPr>
+        <p:txBody>
+          <a:bodyPr anchorCtr="0" anchor="t" bIns="91425" lIns="91425" spcFirstLastPara="1" rIns="91425" wrap="square" tIns="91425">
+            <a:normAutofit/>
+          </a:bodyPr>
+          <a:lstStyle/>
+          <a:p>
+            <a:pPr indent="-355600" lvl="0" marL="457200" rtl="0" algn="l">
+              <a:lnSpc>
+                <a:spcPct val="200000"/>
+              </a:lnSpc>
+              <a:spcBef>
+                <a:spcPts val="0"/>
+              </a:spcBef>
+              <a:spcAft>
+                <a:spcPts val="0"/>
+              </a:spcAft>
+              <a:buClr>
+                <a:schemeClr val="lt1"/>
+              </a:buClr>
+              <a:buSzPts val="2000"/>
+              <a:buFont typeface="Poppins"/>
+              <a:buChar char="●"/>
+            </a:pPr>
+            <a:r>
+              <a:rPr lang="en-GB" sz="2000">
+                <a:solidFill>
+                  <a:schemeClr val="lt1"/>
+                </a:solidFill>
+                <a:latin typeface="Poppins"/>
+                <a:ea typeface="Poppins"/>
+                <a:cs typeface="Poppins"/>
+                <a:sym typeface="Poppins"/>
+              </a:rPr>
+              <a:t>Costs $22,000 over its four-year duration paid in installments.</a:t>
+            </a:r>
+            <a:endParaRPr sz="2000">
+              <a:solidFill>
+                <a:schemeClr val="lt1"/>
+              </a:solidFill>
+              <a:latin typeface="Poppins"/>
+              <a:ea typeface="Poppins"/>
+              <a:cs typeface="Poppins"/>
+              <a:sym typeface="Poppins"/>
+            </a:endParaRPr>
+          </a:p>
+          <a:p>
+            <a:pPr indent="-355600" lvl="0" marL="457200" rtl="0" algn="l">
+              <a:lnSpc>
+                <a:spcPct val="100000"/>
+              </a:lnSpc>
+              <a:spcBef>
+                <a:spcPts val="0"/>
+              </a:spcBef>
+              <a:spcAft>
+                <a:spcPts val="0"/>
+              </a:spcAft>
+              <a:buClr>
+                <a:schemeClr val="lt1"/>
+              </a:buClr>
+              <a:buSzPts val="2000"/>
+              <a:buFont typeface="Poppins"/>
+              <a:buChar char="●"/>
+            </a:pPr>
+            <a:r>
+              <a:rPr lang="en-GB" sz="2000">
+                <a:solidFill>
+                  <a:schemeClr val="lt1"/>
+                </a:solidFill>
+                <a:latin typeface="Poppins"/>
+                <a:ea typeface="Poppins"/>
+                <a:cs typeface="Poppins"/>
+                <a:sym typeface="Poppins"/>
+              </a:rPr>
+              <a:t>Provide a minimum of four-five weeks paid work experience annually.</a:t>
+            </a:r>
+            <a:br>
+              <a:rPr lang="en-GB" sz="2000">
+                <a:solidFill>
+                  <a:schemeClr val="lt1"/>
+                </a:solidFill>
+                <a:latin typeface="Poppins"/>
+                <a:ea typeface="Poppins"/>
+                <a:cs typeface="Poppins"/>
+                <a:sym typeface="Poppins"/>
+              </a:rPr>
+            </a:br>
+            <a:endParaRPr sz="2000">
+              <a:solidFill>
+                <a:schemeClr val="lt1"/>
+              </a:solidFill>
+              <a:latin typeface="Poppins"/>
+              <a:ea typeface="Poppins"/>
+              <a:cs typeface="Poppins"/>
+              <a:sym typeface="Poppins"/>
+            </a:endParaRPr>
+          </a:p>
+          <a:p>
+            <a:pPr indent="-355600" lvl="0" marL="457200" rtl="0" algn="l">
+              <a:lnSpc>
+                <a:spcPct val="100000"/>
+              </a:lnSpc>
+              <a:spcBef>
+                <a:spcPts val="1000"/>
+              </a:spcBef>
+              <a:spcAft>
+                <a:spcPts val="1200"/>
+              </a:spcAft>
+              <a:buClr>
+                <a:schemeClr val="lt1"/>
+              </a:buClr>
+              <a:buSzPts val="2000"/>
+              <a:buFont typeface="Poppins"/>
+              <a:buChar char="●"/>
+            </a:pPr>
+            <a:r>
+              <a:rPr lang="en-GB" sz="2000">
+                <a:solidFill>
+                  <a:schemeClr val="lt1"/>
+                </a:solidFill>
+                <a:latin typeface="Poppins"/>
+                <a:ea typeface="Poppins"/>
+                <a:cs typeface="Poppins"/>
+                <a:sym typeface="Poppins"/>
+              </a:rPr>
+              <a:t>Participate in an Annual Scholarship review</a:t>
+            </a:r>
+            <a:endParaRPr sz="2000">
+              <a:solidFill>
+                <a:schemeClr val="lt1"/>
+              </a:solidFill>
+              <a:latin typeface="Poppins"/>
+              <a:ea typeface="Poppins"/>
+              <a:cs typeface="Poppins"/>
+              <a:sym typeface="Poppins"/>
+            </a:endParaRPr>
+          </a:p>
+        </p:txBody>
+      </p:sp>
+    </p:spTree>
+  </p:cSld>
+  <p:clrMapOvr>
+    <a:masterClrMapping/>
+  </p:clrMapOvr>
+</p:sld>
+</file>
+
 <file path=ppt/theme/theme1.xml><?xml version="1.0" encoding="utf-8"?>
-<a:theme xmlns:a="http://schemas.openxmlformats.org/drawingml/2006/main" xmlns:r="http://schemas.openxmlformats.org/officeDocument/2006/relationships" name="Material">
+<a:theme xmlns:a="http://schemas.openxmlformats.org/drawingml/2006/main" xmlns:r="http://schemas.openxmlformats.org/officeDocument/2006/relationships" name="Simple Light">
   <a:themeElements>
-    <a:clrScheme name="Material">
+    <a:clrScheme name="Simple Light">
       <a:dk1>
-        <a:srgbClr val="4285F4"/>
+        <a:srgbClr val="000000"/>
       </a:dk1>
       <a:lt1>
         <a:srgbClr val="FFFFFF"/>
       </a:lt1>
       <a:dk2>
-        <a:srgbClr val="424242"/>
+        <a:srgbClr val="595959"/>
       </a:dk2>
       <a:lt2>
-        <a:srgbClr val="737373"/>
+        <a:srgbClr val="EEEEEE"/>
       </a:lt2>
       <a:accent1>
-        <a:srgbClr val="0277BD"/>
+        <a:srgbClr val="4285F4"/>
       </a:accent1>
       <a:accent2>
-        <a:srgbClr val="0F9D58"/>
+        <a:srgbClr val="212121"/>
       </a:accent2>
       <a:accent3>
-        <a:srgbClr val="DB4437"/>
+        <a:srgbClr val="78909C"/>
       </a:accent3>
       <a:accent4>
-        <a:srgbClr val="FAFAFA"/>
+        <a:srgbClr val="FFAB40"/>
       </a:accent4>
       <a:accent5>
-        <a:srgbClr val="1A237E"/>
+        <a:srgbClr val="0097A7"/>
       </a:accent5>
       <a:accent6>
-        <a:srgbClr val="F4B400"/>
+        <a:srgbClr val="EEFF41"/>
       </a:accent6>
       <a:hlink>
-        <a:srgbClr val="1A237E"/>
+        <a:srgbClr val="0097A7"/>
       </a:hlink>
       <a:folHlink>
-        <a:srgbClr val="1A237E"/>
+        <a:srgbClr val="0097A7"/>
       </a:folHlink>
     </a:clrScheme>
     <a:fontScheme name="Office">
